--- a/Design Patterns/Design Patterns [Official]/Visitor/Visitor Design Pattern [Official].pptx
+++ b/Design Patterns/Design Patterns [Official]/Visitor/Visitor Design Pattern [Official].pptx
@@ -5,7 +5,7 @@
     <p:sldMasterId id="2147483684" r:id="rId1"/>
   </p:sldMasterIdLst>
   <p:notesMasterIdLst>
-    <p:notesMasterId r:id="rId40"/>
+    <p:notesMasterId r:id="rId41"/>
   </p:notesMasterIdLst>
   <p:sldIdLst>
     <p:sldId id="257" r:id="rId2"/>
@@ -39,13 +39,14 @@
     <p:sldId id="291" r:id="rId30"/>
     <p:sldId id="274" r:id="rId31"/>
     <p:sldId id="284" r:id="rId32"/>
-    <p:sldId id="292" r:id="rId33"/>
-    <p:sldId id="275" r:id="rId34"/>
-    <p:sldId id="276" r:id="rId35"/>
-    <p:sldId id="293" r:id="rId36"/>
-    <p:sldId id="298" r:id="rId37"/>
-    <p:sldId id="300" r:id="rId38"/>
-    <p:sldId id="301" r:id="rId39"/>
+    <p:sldId id="275" r:id="rId33"/>
+    <p:sldId id="276" r:id="rId34"/>
+    <p:sldId id="293" r:id="rId35"/>
+    <p:sldId id="298" r:id="rId36"/>
+    <p:sldId id="300" r:id="rId37"/>
+    <p:sldId id="303" r:id="rId38"/>
+    <p:sldId id="302" r:id="rId39"/>
+    <p:sldId id="301" r:id="rId40"/>
   </p:sldIdLst>
   <p:sldSz cx="12192000" cy="6858000"/>
   <p:notesSz cx="6858000" cy="9144000"/>
@@ -234,7 +235,7 @@
           <a:p>
             <a:fld id="{AA710DB0-8807-4DDE-A0B8-4B8692E9B852}" type="datetimeFigureOut">
               <a:rPr lang="en-US" smtClean="0"/>
-              <a:t>2019-07-25</a:t>
+              <a:t>2019-07-26</a:t>
             </a:fld>
             <a:endParaRPr lang="en-US"/>
           </a:p>
@@ -632,7 +633,7 @@
           <a:p>
             <a:fld id="{8BB462E6-C399-4BDD-A94B-3C5F68450132}" type="datetime1">
               <a:rPr lang="en-US" smtClean="0"/>
-              <a:t>2019-07-25</a:t>
+              <a:t>2019-07-26</a:t>
             </a:fld>
             <a:endParaRPr lang="en-US"/>
           </a:p>
@@ -802,7 +803,7 @@
           <a:p>
             <a:fld id="{E2266837-5191-4587-9629-134B38A7F94F}" type="datetime1">
               <a:rPr lang="en-US" smtClean="0"/>
-              <a:t>2019-07-25</a:t>
+              <a:t>2019-07-26</a:t>
             </a:fld>
             <a:endParaRPr lang="en-US"/>
           </a:p>
@@ -982,7 +983,7 @@
           <a:p>
             <a:fld id="{CD251EAF-8CF6-4933-99F9-04DA234C030D}" type="datetime1">
               <a:rPr lang="en-US" smtClean="0"/>
-              <a:t>2019-07-25</a:t>
+              <a:t>2019-07-26</a:t>
             </a:fld>
             <a:endParaRPr lang="en-US"/>
           </a:p>
@@ -1152,7 +1153,7 @@
           <a:p>
             <a:fld id="{04B1C472-C961-4006-A403-BD591AC2BB40}" type="datetime1">
               <a:rPr lang="en-US" smtClean="0"/>
-              <a:t>2019-07-25</a:t>
+              <a:t>2019-07-26</a:t>
             </a:fld>
             <a:endParaRPr lang="en-US"/>
           </a:p>
@@ -1398,7 +1399,7 @@
           <a:p>
             <a:fld id="{B6BD957D-DB2C-4744-8B68-FCEFA42D9FEA}" type="datetime1">
               <a:rPr lang="en-US" smtClean="0"/>
-              <a:t>2019-07-25</a:t>
+              <a:t>2019-07-26</a:t>
             </a:fld>
             <a:endParaRPr lang="en-US"/>
           </a:p>
@@ -1630,7 +1631,7 @@
           <a:p>
             <a:fld id="{D9AD4B09-F634-4ABD-B1D9-F6A1EECE6DA8}" type="datetime1">
               <a:rPr lang="en-US" smtClean="0"/>
-              <a:t>2019-07-25</a:t>
+              <a:t>2019-07-26</a:t>
             </a:fld>
             <a:endParaRPr lang="en-US"/>
           </a:p>
@@ -1997,7 +1998,7 @@
           <a:p>
             <a:fld id="{D4432B5B-4866-4F93-8271-93FD6AEC7749}" type="datetime1">
               <a:rPr lang="en-US" smtClean="0"/>
-              <a:t>2019-07-25</a:t>
+              <a:t>2019-07-26</a:t>
             </a:fld>
             <a:endParaRPr lang="en-US"/>
           </a:p>
@@ -2115,7 +2116,7 @@
           <a:p>
             <a:fld id="{88209979-FCCD-47DA-B422-ABF4B1DD0365}" type="datetime1">
               <a:rPr lang="en-US" smtClean="0"/>
-              <a:t>2019-07-25</a:t>
+              <a:t>2019-07-26</a:t>
             </a:fld>
             <a:endParaRPr lang="en-US"/>
           </a:p>
@@ -2210,7 +2211,7 @@
           <a:p>
             <a:fld id="{09FC596E-CEAE-4F9D-9754-2FF8BD245A2A}" type="datetime1">
               <a:rPr lang="en-US" smtClean="0"/>
-              <a:t>2019-07-25</a:t>
+              <a:t>2019-07-26</a:t>
             </a:fld>
             <a:endParaRPr lang="en-US"/>
           </a:p>
@@ -2487,7 +2488,7 @@
           <a:p>
             <a:fld id="{79580240-FAD3-441F-BD73-07CCC5E0E4CA}" type="datetime1">
               <a:rPr lang="en-US" smtClean="0"/>
-              <a:t>2019-07-25</a:t>
+              <a:t>2019-07-26</a:t>
             </a:fld>
             <a:endParaRPr lang="en-US"/>
           </a:p>
@@ -2744,7 +2745,7 @@
           <a:p>
             <a:fld id="{FDE71BAB-E318-4F67-8682-95CA3866542C}" type="datetime1">
               <a:rPr lang="en-US" smtClean="0"/>
-              <a:t>2019-07-25</a:t>
+              <a:t>2019-07-26</a:t>
             </a:fld>
             <a:endParaRPr lang="en-US"/>
           </a:p>
@@ -2957,7 +2958,7 @@
           <a:p>
             <a:fld id="{28CFDCF3-EF80-466C-A942-76DA0A154F0F}" type="datetime1">
               <a:rPr lang="en-US" smtClean="0"/>
-              <a:t>2019-07-25</a:t>
+              <a:t>2019-07-26</a:t>
             </a:fld>
             <a:endParaRPr lang="en-US"/>
           </a:p>
@@ -21867,7 +21868,105 @@
                 <a:latin typeface="Times New Roman" panose="02020603050405020304" pitchFamily="18" charset="0"/>
                 <a:cs typeface="Times New Roman" panose="02020603050405020304" pitchFamily="18" charset="0"/>
               </a:rPr>
-              <a:t>void</a:t>
+              <a:t>*</a:t>
+            </a:r>
+            <a:r>
+              <a:rPr lang="en-US" sz="2900" dirty="0" err="1">
+                <a:latin typeface="Times New Roman" panose="02020603050405020304" pitchFamily="18" charset="0"/>
+                <a:cs typeface="Times New Roman" panose="02020603050405020304" pitchFamily="18" charset="0"/>
+              </a:rPr>
+              <a:t>Lưu</a:t>
+            </a:r>
+            <a:r>
+              <a:rPr lang="en-US" sz="2900" dirty="0">
+                <a:latin typeface="Times New Roman" panose="02020603050405020304" pitchFamily="18" charset="0"/>
+                <a:cs typeface="Times New Roman" panose="02020603050405020304" pitchFamily="18" charset="0"/>
+              </a:rPr>
+              <a:t> ý: </a:t>
+            </a:r>
+            <a:r>
+              <a:rPr lang="en-US" sz="2900" dirty="0" err="1">
+                <a:latin typeface="Times New Roman" panose="02020603050405020304" pitchFamily="18" charset="0"/>
+                <a:cs typeface="Times New Roman" panose="02020603050405020304" pitchFamily="18" charset="0"/>
+              </a:rPr>
+              <a:t>đa</a:t>
+            </a:r>
+            <a:r>
+              <a:rPr lang="en-US" sz="2900" dirty="0">
+                <a:latin typeface="Times New Roman" panose="02020603050405020304" pitchFamily="18" charset="0"/>
+                <a:cs typeface="Times New Roman" panose="02020603050405020304" pitchFamily="18" charset="0"/>
+              </a:rPr>
+              <a:t> </a:t>
+            </a:r>
+            <a:r>
+              <a:rPr lang="en-US" sz="2900" dirty="0" err="1">
+                <a:latin typeface="Times New Roman" panose="02020603050405020304" pitchFamily="18" charset="0"/>
+                <a:cs typeface="Times New Roman" panose="02020603050405020304" pitchFamily="18" charset="0"/>
+              </a:rPr>
+              <a:t>số</a:t>
+            </a:r>
+            <a:r>
+              <a:rPr lang="en-US" sz="2900" dirty="0">
+                <a:latin typeface="Times New Roman" panose="02020603050405020304" pitchFamily="18" charset="0"/>
+                <a:cs typeface="Times New Roman" panose="02020603050405020304" pitchFamily="18" charset="0"/>
+              </a:rPr>
+              <a:t> </a:t>
+            </a:r>
+            <a:r>
+              <a:rPr lang="en-US" sz="2900" dirty="0" err="1">
+                <a:latin typeface="Times New Roman" panose="02020603050405020304" pitchFamily="18" charset="0"/>
+                <a:cs typeface="Times New Roman" panose="02020603050405020304" pitchFamily="18" charset="0"/>
+              </a:rPr>
+              <a:t>các</a:t>
+            </a:r>
+            <a:r>
+              <a:rPr lang="en-US" sz="2900" dirty="0">
+                <a:latin typeface="Times New Roman" panose="02020603050405020304" pitchFamily="18" charset="0"/>
+                <a:cs typeface="Times New Roman" panose="02020603050405020304" pitchFamily="18" charset="0"/>
+              </a:rPr>
+              <a:t> </a:t>
+            </a:r>
+            <a:r>
+              <a:rPr lang="en-US" sz="2900" dirty="0" err="1">
+                <a:latin typeface="Times New Roman" panose="02020603050405020304" pitchFamily="18" charset="0"/>
+                <a:cs typeface="Times New Roman" panose="02020603050405020304" pitchFamily="18" charset="0"/>
+              </a:rPr>
+              <a:t>phương</a:t>
+            </a:r>
+            <a:r>
+              <a:rPr lang="en-US" sz="2900" dirty="0">
+                <a:latin typeface="Times New Roman" panose="02020603050405020304" pitchFamily="18" charset="0"/>
+                <a:cs typeface="Times New Roman" panose="02020603050405020304" pitchFamily="18" charset="0"/>
+              </a:rPr>
+              <a:t> </a:t>
+            </a:r>
+            <a:r>
+              <a:rPr lang="en-US" sz="2900" dirty="0" err="1">
+                <a:latin typeface="Times New Roman" panose="02020603050405020304" pitchFamily="18" charset="0"/>
+                <a:cs typeface="Times New Roman" panose="02020603050405020304" pitchFamily="18" charset="0"/>
+              </a:rPr>
+              <a:t>thức</a:t>
+            </a:r>
+            <a:r>
+              <a:rPr lang="en-US" sz="2900" dirty="0">
+                <a:latin typeface="Times New Roman" panose="02020603050405020304" pitchFamily="18" charset="0"/>
+                <a:cs typeface="Times New Roman" panose="02020603050405020304" pitchFamily="18" charset="0"/>
+              </a:rPr>
+              <a:t> trong visitor </a:t>
+            </a:r>
+            <a:r>
+              <a:rPr lang="en-US" sz="2900" dirty="0" err="1">
+                <a:latin typeface="Times New Roman" panose="02020603050405020304" pitchFamily="18" charset="0"/>
+                <a:cs typeface="Times New Roman" panose="02020603050405020304" pitchFamily="18" charset="0"/>
+              </a:rPr>
+              <a:t>là</a:t>
+            </a:r>
+            <a:r>
+              <a:rPr lang="en-US" sz="2900" dirty="0">
+                <a:latin typeface="Times New Roman" panose="02020603050405020304" pitchFamily="18" charset="0"/>
+                <a:cs typeface="Times New Roman" panose="02020603050405020304" pitchFamily="18" charset="0"/>
+              </a:rPr>
+              <a:t> void.</a:t>
             </a:r>
           </a:p>
         </p:txBody>
@@ -23642,6 +23741,34 @@
             <a:pPr marL="0" indent="0">
               <a:buNone/>
             </a:pPr>
+            <a:r>
+              <a:rPr lang="en-US" sz="2900" dirty="0" err="1">
+                <a:latin typeface="Times New Roman" panose="02020603050405020304" pitchFamily="18" charset="0"/>
+                <a:cs typeface="Times New Roman" panose="02020603050405020304" pitchFamily="18" charset="0"/>
+              </a:rPr>
+              <a:t>Cân</a:t>
+            </a:r>
+            <a:r>
+              <a:rPr lang="en-US" sz="2900" dirty="0">
+                <a:latin typeface="Times New Roman" panose="02020603050405020304" pitchFamily="18" charset="0"/>
+                <a:cs typeface="Times New Roman" panose="02020603050405020304" pitchFamily="18" charset="0"/>
+              </a:rPr>
+              <a:t> </a:t>
+            </a:r>
+            <a:r>
+              <a:rPr lang="en-US" sz="2900" dirty="0" err="1">
+                <a:latin typeface="Times New Roman" panose="02020603050405020304" pitchFamily="18" charset="0"/>
+                <a:cs typeface="Times New Roman" panose="02020603050405020304" pitchFamily="18" charset="0"/>
+              </a:rPr>
+              <a:t>bằng</a:t>
+            </a:r>
+            <a:r>
+              <a:rPr lang="en-US" sz="2900">
+                <a:latin typeface="Times New Roman" panose="02020603050405020304" pitchFamily="18" charset="0"/>
+                <a:cs typeface="Times New Roman" panose="02020603050405020304" pitchFamily="18" charset="0"/>
+              </a:rPr>
+              <a:t> game.</a:t>
+            </a:r>
             <a:endParaRPr lang="en-US" sz="2900" dirty="0">
               <a:latin typeface="Times New Roman" panose="02020603050405020304" pitchFamily="18" charset="0"/>
               <a:cs typeface="Times New Roman" panose="02020603050405020304" pitchFamily="18" charset="0"/>
@@ -23692,264 +23819,6 @@
 </file>
 
 <file path=ppt/slides/slide32.xml><?xml version="1.0" encoding="utf-8"?>
-<p:sld xmlns:a="http://schemas.openxmlformats.org/drawingml/2006/main" xmlns:r="http://schemas.openxmlformats.org/officeDocument/2006/relationships" xmlns:p="http://schemas.openxmlformats.org/presentationml/2006/main">
-  <p:cSld>
-    <p:spTree>
-      <p:nvGrpSpPr>
-        <p:cNvPr id="1" name=""/>
-        <p:cNvGrpSpPr/>
-        <p:nvPr/>
-      </p:nvGrpSpPr>
-      <p:grpSpPr>
-        <a:xfrm>
-          <a:off x="0" y="0"/>
-          <a:ext cx="0" cy="0"/>
-          <a:chOff x="0" y="0"/>
-          <a:chExt cx="0" cy="0"/>
-        </a:xfrm>
-      </p:grpSpPr>
-      <p:sp>
-        <p:nvSpPr>
-          <p:cNvPr id="3" name="Title 2">
-            <a:extLst>
-              <a:ext uri="{FF2B5EF4-FFF2-40B4-BE49-F238E27FC236}">
-                <a16:creationId xmlns:a16="http://schemas.microsoft.com/office/drawing/2014/main" id="{30AD274F-88B2-4DBC-BFCF-BB5354397D9B}"/>
-              </a:ext>
-            </a:extLst>
-          </p:cNvPr>
-          <p:cNvSpPr>
-            <a:spLocks noGrp="1"/>
-          </p:cNvSpPr>
-          <p:nvPr>
-            <p:ph type="title"/>
-          </p:nvPr>
-        </p:nvSpPr>
-        <p:spPr>
-          <a:xfrm>
-            <a:off x="0" y="0"/>
-            <a:ext cx="12192000" cy="870857"/>
-          </a:xfrm>
-          <a:solidFill>
-            <a:srgbClr val="002060"/>
-          </a:solidFill>
-        </p:spPr>
-        <p:txBody>
-          <a:bodyPr>
-            <a:normAutofit/>
-          </a:bodyPr>
-          <a:lstStyle/>
-          <a:p>
-            <a:r>
-              <a:rPr lang="en-US" sz="4500" dirty="0">
-                <a:solidFill>
-                  <a:schemeClr val="bg1"/>
-                </a:solidFill>
-                <a:latin typeface="Times New Roman" panose="02020603050405020304" pitchFamily="18" charset="0"/>
-                <a:cs typeface="Times New Roman" panose="02020603050405020304" pitchFamily="18" charset="0"/>
-              </a:rPr>
-              <a:t>	9. </a:t>
-            </a:r>
-            <a:r>
-              <a:rPr lang="en-US" sz="4500" dirty="0" err="1">
-                <a:solidFill>
-                  <a:schemeClr val="bg1"/>
-                </a:solidFill>
-                <a:latin typeface="Times New Roman" panose="02020603050405020304" pitchFamily="18" charset="0"/>
-                <a:cs typeface="Times New Roman" panose="02020603050405020304" pitchFamily="18" charset="0"/>
-              </a:rPr>
-              <a:t>Một</a:t>
-            </a:r>
-            <a:r>
-              <a:rPr lang="en-US" sz="4500" dirty="0">
-                <a:solidFill>
-                  <a:schemeClr val="bg1"/>
-                </a:solidFill>
-                <a:latin typeface="Times New Roman" panose="02020603050405020304" pitchFamily="18" charset="0"/>
-                <a:cs typeface="Times New Roman" panose="02020603050405020304" pitchFamily="18" charset="0"/>
-              </a:rPr>
-              <a:t> </a:t>
-            </a:r>
-            <a:r>
-              <a:rPr lang="en-US" sz="4500" dirty="0" err="1">
-                <a:solidFill>
-                  <a:schemeClr val="bg1"/>
-                </a:solidFill>
-                <a:latin typeface="Times New Roman" panose="02020603050405020304" pitchFamily="18" charset="0"/>
-                <a:cs typeface="Times New Roman" panose="02020603050405020304" pitchFamily="18" charset="0"/>
-              </a:rPr>
-              <a:t>số</a:t>
-            </a:r>
-            <a:r>
-              <a:rPr lang="en-US" sz="4500" dirty="0">
-                <a:solidFill>
-                  <a:schemeClr val="bg1"/>
-                </a:solidFill>
-                <a:latin typeface="Times New Roman" panose="02020603050405020304" pitchFamily="18" charset="0"/>
-                <a:cs typeface="Times New Roman" panose="02020603050405020304" pitchFamily="18" charset="0"/>
-              </a:rPr>
-              <a:t> </a:t>
-            </a:r>
-            <a:r>
-              <a:rPr lang="en-US" sz="4500" dirty="0" err="1">
-                <a:solidFill>
-                  <a:schemeClr val="bg1"/>
-                </a:solidFill>
-                <a:latin typeface="Times New Roman" panose="02020603050405020304" pitchFamily="18" charset="0"/>
-                <a:cs typeface="Times New Roman" panose="02020603050405020304" pitchFamily="18" charset="0"/>
-              </a:rPr>
-              <a:t>bài</a:t>
-            </a:r>
-            <a:r>
-              <a:rPr lang="en-US" sz="4500" dirty="0">
-                <a:solidFill>
-                  <a:schemeClr val="bg1"/>
-                </a:solidFill>
-                <a:latin typeface="Times New Roman" panose="02020603050405020304" pitchFamily="18" charset="0"/>
-                <a:cs typeface="Times New Roman" panose="02020603050405020304" pitchFamily="18" charset="0"/>
-              </a:rPr>
-              <a:t> </a:t>
-            </a:r>
-            <a:r>
-              <a:rPr lang="en-US" sz="4500" dirty="0" err="1">
-                <a:solidFill>
-                  <a:schemeClr val="bg1"/>
-                </a:solidFill>
-                <a:latin typeface="Times New Roman" panose="02020603050405020304" pitchFamily="18" charset="0"/>
-                <a:cs typeface="Times New Roman" panose="02020603050405020304" pitchFamily="18" charset="0"/>
-              </a:rPr>
-              <a:t>toán</a:t>
-            </a:r>
-            <a:r>
-              <a:rPr lang="en-US" sz="4500" dirty="0">
-                <a:solidFill>
-                  <a:schemeClr val="bg1"/>
-                </a:solidFill>
-                <a:latin typeface="Times New Roman" panose="02020603050405020304" pitchFamily="18" charset="0"/>
-                <a:cs typeface="Times New Roman" panose="02020603050405020304" pitchFamily="18" charset="0"/>
-              </a:rPr>
-              <a:t> </a:t>
-            </a:r>
-            <a:r>
-              <a:rPr lang="en-US" sz="4500" dirty="0" err="1">
-                <a:solidFill>
-                  <a:schemeClr val="bg1"/>
-                </a:solidFill>
-                <a:latin typeface="Times New Roman" panose="02020603050405020304" pitchFamily="18" charset="0"/>
-                <a:cs typeface="Times New Roman" panose="02020603050405020304" pitchFamily="18" charset="0"/>
-              </a:rPr>
-              <a:t>liên</a:t>
-            </a:r>
-            <a:r>
-              <a:rPr lang="en-US" sz="4500" dirty="0">
-                <a:solidFill>
-                  <a:schemeClr val="bg1"/>
-                </a:solidFill>
-                <a:latin typeface="Times New Roman" panose="02020603050405020304" pitchFamily="18" charset="0"/>
-                <a:cs typeface="Times New Roman" panose="02020603050405020304" pitchFamily="18" charset="0"/>
-              </a:rPr>
-              <a:t> </a:t>
-            </a:r>
-            <a:r>
-              <a:rPr lang="en-US" sz="4500" dirty="0" err="1">
-                <a:solidFill>
-                  <a:schemeClr val="bg1"/>
-                </a:solidFill>
-                <a:latin typeface="Times New Roman" panose="02020603050405020304" pitchFamily="18" charset="0"/>
-                <a:cs typeface="Times New Roman" panose="02020603050405020304" pitchFamily="18" charset="0"/>
-              </a:rPr>
-              <a:t>quan</a:t>
-            </a:r>
-            <a:endParaRPr lang="en-US" sz="4500" dirty="0">
-              <a:solidFill>
-                <a:schemeClr val="bg1"/>
-              </a:solidFill>
-              <a:latin typeface="Times New Roman" panose="02020603050405020304" pitchFamily="18" charset="0"/>
-              <a:cs typeface="Times New Roman" panose="02020603050405020304" pitchFamily="18" charset="0"/>
-            </a:endParaRPr>
-          </a:p>
-        </p:txBody>
-      </p:sp>
-      <p:sp>
-        <p:nvSpPr>
-          <p:cNvPr id="4" name="Content Placeholder 3">
-            <a:extLst>
-              <a:ext uri="{FF2B5EF4-FFF2-40B4-BE49-F238E27FC236}">
-                <a16:creationId xmlns:a16="http://schemas.microsoft.com/office/drawing/2014/main" id="{E33F867E-755A-48AE-BBBC-CA16CB70ACDE}"/>
-              </a:ext>
-            </a:extLst>
-          </p:cNvPr>
-          <p:cNvSpPr>
-            <a:spLocks noGrp="1"/>
-          </p:cNvSpPr>
-          <p:nvPr>
-            <p:ph idx="1"/>
-          </p:nvPr>
-        </p:nvSpPr>
-        <p:spPr>
-          <a:xfrm>
-            <a:off x="838200" y="1378857"/>
-            <a:ext cx="10515600" cy="4798106"/>
-          </a:xfrm>
-        </p:spPr>
-        <p:txBody>
-          <a:bodyPr>
-            <a:normAutofit/>
-          </a:bodyPr>
-          <a:lstStyle/>
-          <a:p>
-            <a:pPr marL="0" indent="0">
-              <a:buNone/>
-            </a:pPr>
-            <a:endParaRPr lang="en-US" sz="2900" dirty="0">
-              <a:latin typeface="Times New Roman" panose="02020603050405020304" pitchFamily="18" charset="0"/>
-              <a:cs typeface="Times New Roman" panose="02020603050405020304" pitchFamily="18" charset="0"/>
-            </a:endParaRPr>
-          </a:p>
-        </p:txBody>
-      </p:sp>
-      <p:sp>
-        <p:nvSpPr>
-          <p:cNvPr id="2" name="Slide Number Placeholder 1">
-            <a:extLst>
-              <a:ext uri="{FF2B5EF4-FFF2-40B4-BE49-F238E27FC236}">
-                <a16:creationId xmlns:a16="http://schemas.microsoft.com/office/drawing/2014/main" id="{89892A50-9F8B-44EB-9CFD-68996B34377D}"/>
-              </a:ext>
-            </a:extLst>
-          </p:cNvPr>
-          <p:cNvSpPr>
-            <a:spLocks noGrp="1"/>
-          </p:cNvSpPr>
-          <p:nvPr>
-            <p:ph type="sldNum" sz="quarter" idx="12"/>
-          </p:nvPr>
-        </p:nvSpPr>
-        <p:spPr/>
-        <p:txBody>
-          <a:bodyPr/>
-          <a:lstStyle/>
-          <a:p>
-            <a:fld id="{18C32E93-6A1A-49D7-90B2-9114AA7B184E}" type="slidenum">
-              <a:rPr lang="en-US" smtClean="0"/>
-              <a:t>32</a:t>
-            </a:fld>
-            <a:endParaRPr lang="en-US"/>
-          </a:p>
-        </p:txBody>
-      </p:sp>
-    </p:spTree>
-    <p:extLst>
-      <p:ext uri="{BB962C8B-B14F-4D97-AF65-F5344CB8AC3E}">
-        <p14:creationId xmlns:p14="http://schemas.microsoft.com/office/powerpoint/2010/main" val="760094033"/>
-      </p:ext>
-    </p:extLst>
-  </p:cSld>
-  <p:clrMapOvr>
-    <a:masterClrMapping/>
-  </p:clrMapOvr>
-</p:sld>
-</file>
-
-<file path=ppt/slides/slide33.xml><?xml version="1.0" encoding="utf-8"?>
 <p:sld xmlns:a="http://schemas.openxmlformats.org/drawingml/2006/main" xmlns:r="http://schemas.openxmlformats.org/officeDocument/2006/relationships" xmlns:p="http://schemas.openxmlformats.org/presentationml/2006/main">
   <p:cSld>
     <p:bg>
@@ -24177,7 +24046,7 @@
           <a:p>
             <a:fld id="{18C32E93-6A1A-49D7-90B2-9114AA7B184E}" type="slidenum">
               <a:rPr lang="en-US" smtClean="0"/>
-              <a:t>33</a:t>
+              <a:t>32</a:t>
             </a:fld>
             <a:endParaRPr lang="en-US"/>
           </a:p>
@@ -24196,7 +24065,7 @@
 </p:sld>
 </file>
 
-<file path=ppt/slides/slide34.xml><?xml version="1.0" encoding="utf-8"?>
+<file path=ppt/slides/slide33.xml><?xml version="1.0" encoding="utf-8"?>
 <p:sld xmlns:a="http://schemas.openxmlformats.org/drawingml/2006/main" xmlns:r="http://schemas.openxmlformats.org/officeDocument/2006/relationships" xmlns:p="http://schemas.openxmlformats.org/presentationml/2006/main">
   <p:cSld>
     <p:spTree>
@@ -24792,7 +24661,7 @@
           <a:p>
             <a:fld id="{18C32E93-6A1A-49D7-90B2-9114AA7B184E}" type="slidenum">
               <a:rPr lang="en-US" smtClean="0"/>
-              <a:t>34</a:t>
+              <a:t>33</a:t>
             </a:fld>
             <a:endParaRPr lang="en-US"/>
           </a:p>
@@ -25195,7 +25064,7 @@
 </p:sld>
 </file>
 
-<file path=ppt/slides/slide35.xml><?xml version="1.0" encoding="utf-8"?>
+<file path=ppt/slides/slide34.xml><?xml version="1.0" encoding="utf-8"?>
 <p:sld xmlns:a="http://schemas.openxmlformats.org/drawingml/2006/main" xmlns:r="http://schemas.openxmlformats.org/officeDocument/2006/relationships" xmlns:p="http://schemas.openxmlformats.org/presentationml/2006/main">
   <p:cSld>
     <p:spTree>
@@ -26092,7 +25961,7 @@
           <a:p>
             <a:fld id="{18C32E93-6A1A-49D7-90B2-9114AA7B184E}" type="slidenum">
               <a:rPr lang="en-US" smtClean="0"/>
-              <a:t>35</a:t>
+              <a:t>34</a:t>
             </a:fld>
             <a:endParaRPr lang="en-US"/>
           </a:p>
@@ -26494,7 +26363,7 @@
 </p:sld>
 </file>
 
-<file path=ppt/slides/slide36.xml><?xml version="1.0" encoding="utf-8"?>
+<file path=ppt/slides/slide35.xml><?xml version="1.0" encoding="utf-8"?>
 <p:sld xmlns:a="http://schemas.openxmlformats.org/drawingml/2006/main" xmlns:r="http://schemas.openxmlformats.org/officeDocument/2006/relationships" xmlns:p="http://schemas.openxmlformats.org/presentationml/2006/main">
   <p:cSld>
     <p:spTree>
@@ -27405,7 +27274,7 @@
           <a:p>
             <a:fld id="{18C32E93-6A1A-49D7-90B2-9114AA7B184E}" type="slidenum">
               <a:rPr lang="en-US" smtClean="0"/>
-              <a:t>36</a:t>
+              <a:t>35</a:t>
             </a:fld>
             <a:endParaRPr lang="en-US"/>
           </a:p>
@@ -27807,7 +27676,7 @@
 </p:sld>
 </file>
 
-<file path=ppt/slides/slide37.xml><?xml version="1.0" encoding="utf-8"?>
+<file path=ppt/slides/slide36.xml><?xml version="1.0" encoding="utf-8"?>
 <p:sld xmlns:a="http://schemas.openxmlformats.org/drawingml/2006/main" xmlns:r="http://schemas.openxmlformats.org/officeDocument/2006/relationships" xmlns:p="http://schemas.openxmlformats.org/presentationml/2006/main">
   <p:cSld>
     <p:spTree>
@@ -29104,7 +28973,7 @@
           <a:p>
             <a:fld id="{18C32E93-6A1A-49D7-90B2-9114AA7B184E}" type="slidenum">
               <a:rPr lang="en-US" smtClean="0"/>
-              <a:t>37</a:t>
+              <a:t>36</a:t>
             </a:fld>
             <a:endParaRPr lang="en-US"/>
           </a:p>
@@ -29506,7 +29375,931 @@
 </p:sld>
 </file>
 
+<file path=ppt/slides/slide37.xml><?xml version="1.0" encoding="utf-8"?>
+<p:sld xmlns:a="http://schemas.openxmlformats.org/drawingml/2006/main" xmlns:r="http://schemas.openxmlformats.org/officeDocument/2006/relationships" xmlns:p="http://schemas.openxmlformats.org/presentationml/2006/main">
+  <p:cSld>
+    <p:bg>
+      <p:bgPr>
+        <a:blipFill>
+          <a:blip r:embed="rId2"/>
+          <a:tile tx="0" ty="0" sx="100000" sy="100000" flip="none" algn="tl"/>
+        </a:blipFill>
+        <a:effectLst/>
+      </p:bgPr>
+    </p:bg>
+    <p:spTree>
+      <p:nvGrpSpPr>
+        <p:cNvPr id="1" name=""/>
+        <p:cNvGrpSpPr/>
+        <p:nvPr/>
+      </p:nvGrpSpPr>
+      <p:grpSpPr>
+        <a:xfrm>
+          <a:off x="0" y="0"/>
+          <a:ext cx="0" cy="0"/>
+          <a:chOff x="0" y="0"/>
+          <a:chExt cx="0" cy="0"/>
+        </a:xfrm>
+      </p:grpSpPr>
+      <p:sp>
+        <p:nvSpPr>
+          <p:cNvPr id="18" name="Rectangle 14">
+            <a:extLst>
+              <a:ext uri="{FF2B5EF4-FFF2-40B4-BE49-F238E27FC236}">
+                <a16:creationId xmlns:a16="http://schemas.microsoft.com/office/drawing/2014/main" id="{23962611-DFD5-4092-AAFD-559E3DFCE2C9}"/>
+              </a:ext>
+              <a:ext uri="{C183D7F6-B498-43B3-948B-1728B52AA6E4}">
+                <adec:decorative xmlns:adec="http://schemas.microsoft.com/office/drawing/2017/decorative" val="1"/>
+              </a:ext>
+            </a:extLst>
+          </p:cNvPr>
+          <p:cNvSpPr>
+            <a:spLocks noGrp="1" noRot="1" noChangeAspect="1" noMove="1" noResize="1" noEditPoints="1" noAdjustHandles="1" noChangeArrowheads="1" noChangeShapeType="1" noTextEdit="1"/>
+          </p:cNvSpPr>
+          <p:nvPr>
+            <p:extLst>
+              <p:ext uri="{386F3935-93C4-4BCD-93E2-E3B085C9AB24}">
+                <p16:designElem xmlns:p16="http://schemas.microsoft.com/office/powerpoint/2015/main" val="1"/>
+              </p:ext>
+            </p:extLst>
+          </p:nvPr>
+        </p:nvSpPr>
+        <p:spPr>
+          <a:xfrm>
+            <a:off x="475488" y="0"/>
+            <a:ext cx="10910292" cy="6858000"/>
+          </a:xfrm>
+          <a:prstGeom prst="rect">
+            <a:avLst/>
+          </a:prstGeom>
+          <a:gradFill>
+            <a:gsLst>
+              <a:gs pos="0">
+                <a:schemeClr val="accent1">
+                  <a:lumMod val="90000"/>
+                </a:schemeClr>
+              </a:gs>
+              <a:gs pos="25000">
+                <a:schemeClr val="accent1">
+                  <a:lumMod val="90000"/>
+                </a:schemeClr>
+              </a:gs>
+              <a:gs pos="94000">
+                <a:schemeClr val="bg2">
+                  <a:lumMod val="25000"/>
+                </a:schemeClr>
+              </a:gs>
+              <a:gs pos="100000">
+                <a:schemeClr val="bg2">
+                  <a:lumMod val="25000"/>
+                </a:schemeClr>
+              </a:gs>
+            </a:gsLst>
+            <a:lin ang="4200000" scaled="0"/>
+          </a:gradFill>
+          <a:ln>
+            <a:noFill/>
+          </a:ln>
+        </p:spPr>
+        <p:style>
+          <a:lnRef idx="2">
+            <a:schemeClr val="accent1">
+              <a:shade val="50000"/>
+            </a:schemeClr>
+          </a:lnRef>
+          <a:fillRef idx="1">
+            <a:schemeClr val="accent1"/>
+          </a:fillRef>
+          <a:effectRef idx="0">
+            <a:schemeClr val="accent1"/>
+          </a:effectRef>
+          <a:fontRef idx="minor">
+            <a:schemeClr val="lt1"/>
+          </a:fontRef>
+        </p:style>
+        <p:txBody>
+          <a:bodyPr rtlCol="0" anchor="ctr"/>
+          <a:lstStyle/>
+          <a:p>
+            <a:pPr algn="ctr"/>
+            <a:endParaRPr lang="en-US"/>
+          </a:p>
+        </p:txBody>
+      </p:sp>
+      <p:pic>
+        <p:nvPicPr>
+          <p:cNvPr id="17" name="Picture 16">
+            <a:extLst>
+              <a:ext uri="{FF2B5EF4-FFF2-40B4-BE49-F238E27FC236}">
+                <a16:creationId xmlns:a16="http://schemas.microsoft.com/office/drawing/2014/main" id="{2270F1FA-0425-408F-9861-80BF5AFB276D}"/>
+              </a:ext>
+              <a:ext uri="{C183D7F6-B498-43B3-948B-1728B52AA6E4}">
+                <adec:decorative xmlns:adec="http://schemas.microsoft.com/office/drawing/2017/decorative" val="1"/>
+              </a:ext>
+            </a:extLst>
+          </p:cNvPr>
+          <p:cNvPicPr>
+            <a:picLocks noGrp="1" noRot="1" noChangeAspect="1" noMove="1" noResize="1" noEditPoints="1" noAdjustHandles="1" noChangeArrowheads="1" noChangeShapeType="1" noCrop="1"/>
+          </p:cNvPicPr>
+          <p:nvPr>
+            <p:extLst>
+              <p:ext uri="{386F3935-93C4-4BCD-93E2-E3B085C9AB24}">
+                <p16:designElem xmlns:p16="http://schemas.microsoft.com/office/powerpoint/2015/main" val="1"/>
+              </p:ext>
+            </p:extLst>
+          </p:nvPr>
+        </p:nvPicPr>
+        <p:blipFill>
+          <a:blip r:embed="rId3">
+            <a:extLst>
+              <a:ext uri="{28A0092B-C50C-407E-A947-70E740481C1C}">
+                <a14:useLocalDpi xmlns:a14="http://schemas.microsoft.com/office/drawing/2010/main" val="0"/>
+              </a:ext>
+            </a:extLst>
+          </a:blip>
+          <a:stretch>
+            <a:fillRect/>
+          </a:stretch>
+        </p:blipFill>
+        <p:spPr>
+          <a:xfrm>
+            <a:off x="0" y="0"/>
+            <a:ext cx="12192000" cy="6858000"/>
+          </a:xfrm>
+          <a:prstGeom prst="rect">
+            <a:avLst/>
+          </a:prstGeom>
+        </p:spPr>
+      </p:pic>
+      <p:sp>
+        <p:nvSpPr>
+          <p:cNvPr id="5" name="Title 4">
+            <a:extLst>
+              <a:ext uri="{FF2B5EF4-FFF2-40B4-BE49-F238E27FC236}">
+                <a16:creationId xmlns:a16="http://schemas.microsoft.com/office/drawing/2014/main" id="{4EF2C890-38E1-4364-969E-7A96BA27FA36}"/>
+              </a:ext>
+            </a:extLst>
+          </p:cNvPr>
+          <p:cNvSpPr>
+            <a:spLocks noGrp="1"/>
+          </p:cNvSpPr>
+          <p:nvPr>
+            <p:ph type="title"/>
+          </p:nvPr>
+        </p:nvSpPr>
+        <p:spPr>
+          <a:xfrm>
+            <a:off x="2878037" y="2846614"/>
+            <a:ext cx="6105194" cy="1164771"/>
+          </a:xfrm>
+        </p:spPr>
+        <p:txBody>
+          <a:bodyPr vert="horz" lIns="91440" tIns="45720" rIns="91440" bIns="45720" rtlCol="0" anchor="b">
+            <a:normAutofit/>
+          </a:bodyPr>
+          <a:lstStyle/>
+          <a:p>
+            <a:pPr algn="ctr"/>
+            <a:r>
+              <a:rPr lang="en-US" sz="5500" kern="1200" dirty="0">
+                <a:solidFill>
+                  <a:srgbClr val="FFFFFF"/>
+                </a:solidFill>
+                <a:effectLst>
+                  <a:outerShdw blurRad="38100" dist="38100" dir="2700000" algn="tl">
+                    <a:srgbClr val="000000">
+                      <a:alpha val="43137"/>
+                    </a:srgbClr>
+                  </a:outerShdw>
+                </a:effectLst>
+                <a:latin typeface="Times New Roman" panose="02020603050405020304" pitchFamily="18" charset="0"/>
+                <a:cs typeface="Times New Roman" panose="02020603050405020304" pitchFamily="18" charset="0"/>
+              </a:rPr>
+              <a:t>11. </a:t>
+            </a:r>
+            <a:r>
+              <a:rPr lang="en-US" sz="5500" dirty="0">
+                <a:solidFill>
+                  <a:srgbClr val="FFFFFF"/>
+                </a:solidFill>
+                <a:effectLst>
+                  <a:outerShdw blurRad="38100" dist="38100" dir="2700000" algn="tl">
+                    <a:srgbClr val="000000">
+                      <a:alpha val="43137"/>
+                    </a:srgbClr>
+                  </a:outerShdw>
+                </a:effectLst>
+                <a:latin typeface="Times New Roman" panose="02020603050405020304" pitchFamily="18" charset="0"/>
+                <a:cs typeface="Times New Roman" panose="02020603050405020304" pitchFamily="18" charset="0"/>
+              </a:rPr>
+              <a:t>THAM KHẢO</a:t>
+            </a:r>
+            <a:endParaRPr lang="en-US" sz="5500" kern="1200" dirty="0">
+              <a:solidFill>
+                <a:srgbClr val="FFFFFF"/>
+              </a:solidFill>
+              <a:effectLst>
+                <a:outerShdw blurRad="38100" dist="38100" dir="2700000" algn="tl">
+                  <a:srgbClr val="000000">
+                    <a:alpha val="43137"/>
+                  </a:srgbClr>
+                </a:outerShdw>
+              </a:effectLst>
+              <a:latin typeface="Times New Roman" panose="02020603050405020304" pitchFamily="18" charset="0"/>
+              <a:cs typeface="Times New Roman" panose="02020603050405020304" pitchFamily="18" charset="0"/>
+            </a:endParaRPr>
+          </a:p>
+        </p:txBody>
+      </p:sp>
+      <p:sp>
+        <p:nvSpPr>
+          <p:cNvPr id="2" name="Slide Number Placeholder 1">
+            <a:extLst>
+              <a:ext uri="{FF2B5EF4-FFF2-40B4-BE49-F238E27FC236}">
+                <a16:creationId xmlns:a16="http://schemas.microsoft.com/office/drawing/2014/main" id="{1F0D74E4-E380-46CA-9CFF-6A0FA337408D}"/>
+              </a:ext>
+            </a:extLst>
+          </p:cNvPr>
+          <p:cNvSpPr>
+            <a:spLocks noGrp="1"/>
+          </p:cNvSpPr>
+          <p:nvPr>
+            <p:ph type="sldNum" sz="quarter" idx="12"/>
+          </p:nvPr>
+        </p:nvSpPr>
+        <p:spPr/>
+        <p:txBody>
+          <a:bodyPr/>
+          <a:lstStyle/>
+          <a:p>
+            <a:fld id="{18C32E93-6A1A-49D7-90B2-9114AA7B184E}" type="slidenum">
+              <a:rPr lang="en-US" smtClean="0"/>
+              <a:t>37</a:t>
+            </a:fld>
+            <a:endParaRPr lang="en-US"/>
+          </a:p>
+        </p:txBody>
+      </p:sp>
+    </p:spTree>
+    <p:extLst>
+      <p:ext uri="{BB962C8B-B14F-4D97-AF65-F5344CB8AC3E}">
+        <p14:creationId xmlns:p14="http://schemas.microsoft.com/office/powerpoint/2010/main" val="2828769997"/>
+      </p:ext>
+    </p:extLst>
+  </p:cSld>
+  <p:clrMapOvr>
+    <a:masterClrMapping/>
+  </p:clrMapOvr>
+</p:sld>
+</file>
+
 <file path=ppt/slides/slide38.xml><?xml version="1.0" encoding="utf-8"?>
+<p:sld xmlns:a="http://schemas.openxmlformats.org/drawingml/2006/main" xmlns:r="http://schemas.openxmlformats.org/officeDocument/2006/relationships" xmlns:p="http://schemas.openxmlformats.org/presentationml/2006/main">
+  <p:cSld>
+    <p:spTree>
+      <p:nvGrpSpPr>
+        <p:cNvPr id="1" name=""/>
+        <p:cNvGrpSpPr/>
+        <p:nvPr/>
+      </p:nvGrpSpPr>
+      <p:grpSpPr>
+        <a:xfrm>
+          <a:off x="0" y="0"/>
+          <a:ext cx="0" cy="0"/>
+          <a:chOff x="0" y="0"/>
+          <a:chExt cx="0" cy="0"/>
+        </a:xfrm>
+      </p:grpSpPr>
+      <p:sp>
+        <p:nvSpPr>
+          <p:cNvPr id="3" name="Title 2">
+            <a:extLst>
+              <a:ext uri="{FF2B5EF4-FFF2-40B4-BE49-F238E27FC236}">
+                <a16:creationId xmlns:a16="http://schemas.microsoft.com/office/drawing/2014/main" id="{30AD274F-88B2-4DBC-BFCF-BB5354397D9B}"/>
+              </a:ext>
+            </a:extLst>
+          </p:cNvPr>
+          <p:cNvSpPr>
+            <a:spLocks noGrp="1"/>
+          </p:cNvSpPr>
+          <p:nvPr>
+            <p:ph type="title"/>
+          </p:nvPr>
+        </p:nvSpPr>
+        <p:spPr>
+          <a:xfrm>
+            <a:off x="0" y="0"/>
+            <a:ext cx="12192000" cy="870857"/>
+          </a:xfrm>
+          <a:solidFill>
+            <a:srgbClr val="002060"/>
+          </a:solidFill>
+        </p:spPr>
+        <p:txBody>
+          <a:bodyPr>
+            <a:normAutofit/>
+          </a:bodyPr>
+          <a:lstStyle/>
+          <a:p>
+            <a:r>
+              <a:rPr lang="en-US" sz="4500" dirty="0">
+                <a:solidFill>
+                  <a:schemeClr val="bg1"/>
+                </a:solidFill>
+                <a:latin typeface="Times New Roman" panose="02020603050405020304" pitchFamily="18" charset="0"/>
+                <a:cs typeface="Times New Roman" panose="02020603050405020304" pitchFamily="18" charset="0"/>
+              </a:rPr>
+              <a:t>	11. </a:t>
+            </a:r>
+            <a:r>
+              <a:rPr lang="en-US" sz="4500" dirty="0" err="1">
+                <a:solidFill>
+                  <a:schemeClr val="bg1"/>
+                </a:solidFill>
+                <a:latin typeface="Times New Roman" panose="02020603050405020304" pitchFamily="18" charset="0"/>
+                <a:cs typeface="Times New Roman" panose="02020603050405020304" pitchFamily="18" charset="0"/>
+              </a:rPr>
+              <a:t>Tham</a:t>
+            </a:r>
+            <a:r>
+              <a:rPr lang="en-US" sz="4500" dirty="0">
+                <a:solidFill>
+                  <a:schemeClr val="bg1"/>
+                </a:solidFill>
+                <a:latin typeface="Times New Roman" panose="02020603050405020304" pitchFamily="18" charset="0"/>
+                <a:cs typeface="Times New Roman" panose="02020603050405020304" pitchFamily="18" charset="0"/>
+              </a:rPr>
+              <a:t> </a:t>
+            </a:r>
+            <a:r>
+              <a:rPr lang="en-US" sz="4500" dirty="0" err="1">
+                <a:solidFill>
+                  <a:schemeClr val="bg1"/>
+                </a:solidFill>
+                <a:latin typeface="Times New Roman" panose="02020603050405020304" pitchFamily="18" charset="0"/>
+                <a:cs typeface="Times New Roman" panose="02020603050405020304" pitchFamily="18" charset="0"/>
+              </a:rPr>
+              <a:t>khảo</a:t>
+            </a:r>
+            <a:endParaRPr lang="en-US" sz="4500" dirty="0">
+              <a:solidFill>
+                <a:schemeClr val="bg1"/>
+              </a:solidFill>
+              <a:latin typeface="Times New Roman" panose="02020603050405020304" pitchFamily="18" charset="0"/>
+              <a:cs typeface="Times New Roman" panose="02020603050405020304" pitchFamily="18" charset="0"/>
+            </a:endParaRPr>
+          </a:p>
+        </p:txBody>
+      </p:sp>
+      <p:sp>
+        <p:nvSpPr>
+          <p:cNvPr id="4" name="Content Placeholder 3">
+            <a:extLst>
+              <a:ext uri="{FF2B5EF4-FFF2-40B4-BE49-F238E27FC236}">
+                <a16:creationId xmlns:a16="http://schemas.microsoft.com/office/drawing/2014/main" id="{E33F867E-755A-48AE-BBBC-CA16CB70ACDE}"/>
+              </a:ext>
+            </a:extLst>
+          </p:cNvPr>
+          <p:cNvSpPr>
+            <a:spLocks noGrp="1"/>
+          </p:cNvSpPr>
+          <p:nvPr>
+            <p:ph idx="1"/>
+          </p:nvPr>
+        </p:nvSpPr>
+        <p:spPr>
+          <a:xfrm>
+            <a:off x="838200" y="1058666"/>
+            <a:ext cx="10515600" cy="5662809"/>
+          </a:xfrm>
+        </p:spPr>
+        <p:txBody>
+          <a:bodyPr>
+            <a:normAutofit/>
+          </a:bodyPr>
+          <a:lstStyle/>
+          <a:p>
+            <a:pPr marL="0" indent="0">
+              <a:lnSpc>
+                <a:spcPct val="150000"/>
+              </a:lnSpc>
+              <a:buNone/>
+            </a:pPr>
+            <a:r>
+              <a:rPr lang="en-US" sz="2900" dirty="0">
+                <a:latin typeface="Times New Roman" panose="02020603050405020304" pitchFamily="18" charset="0"/>
+                <a:cs typeface="Times New Roman" panose="02020603050405020304" pitchFamily="18" charset="0"/>
+              </a:rPr>
+              <a:t>[1] Erich Gamma, Richard Helm, Ralph Johnson, John </a:t>
+            </a:r>
+            <a:r>
+              <a:rPr lang="en-US" sz="2900" dirty="0" err="1">
+                <a:latin typeface="Times New Roman" panose="02020603050405020304" pitchFamily="18" charset="0"/>
+                <a:cs typeface="Times New Roman" panose="02020603050405020304" pitchFamily="18" charset="0"/>
+              </a:rPr>
+              <a:t>Vlissides</a:t>
+            </a:r>
+            <a:r>
+              <a:rPr lang="en-US" sz="2900" dirty="0">
+                <a:latin typeface="Times New Roman" panose="02020603050405020304" pitchFamily="18" charset="0"/>
+                <a:cs typeface="Times New Roman" panose="02020603050405020304" pitchFamily="18" charset="0"/>
+              </a:rPr>
+              <a:t>, “Design Patterns: Elements of Reusable Object-Oriented Software”.</a:t>
+            </a:r>
+          </a:p>
+          <a:p>
+            <a:pPr marL="0" indent="0">
+              <a:lnSpc>
+                <a:spcPct val="150000"/>
+              </a:lnSpc>
+              <a:buNone/>
+            </a:pPr>
+            <a:r>
+              <a:rPr lang="en-US" sz="2900" dirty="0">
+                <a:latin typeface="Times New Roman" panose="02020603050405020304" pitchFamily="18" charset="0"/>
+                <a:cs typeface="Times New Roman" panose="02020603050405020304" pitchFamily="18" charset="0"/>
+              </a:rPr>
+              <a:t>[2] Dmitri </a:t>
+            </a:r>
+            <a:r>
+              <a:rPr lang="en-US" sz="2900" dirty="0" err="1">
+                <a:latin typeface="Times New Roman" panose="02020603050405020304" pitchFamily="18" charset="0"/>
+                <a:cs typeface="Times New Roman" panose="02020603050405020304" pitchFamily="18" charset="0"/>
+              </a:rPr>
+              <a:t>Nesteruk</a:t>
+            </a:r>
+            <a:r>
+              <a:rPr lang="en-US" sz="2900" dirty="0">
+                <a:latin typeface="Times New Roman" panose="02020603050405020304" pitchFamily="18" charset="0"/>
+                <a:cs typeface="Times New Roman" panose="02020603050405020304" pitchFamily="18" charset="0"/>
+              </a:rPr>
+              <a:t>, “Design Patterns in Modern C++: Reusable Approaches for Object-Oriented Software Design”.</a:t>
+            </a:r>
+          </a:p>
+          <a:p>
+            <a:pPr marL="0" indent="0">
+              <a:lnSpc>
+                <a:spcPct val="150000"/>
+              </a:lnSpc>
+              <a:buNone/>
+            </a:pPr>
+            <a:r>
+              <a:rPr lang="en-US" sz="2900" dirty="0">
+                <a:latin typeface="Times New Roman" panose="02020603050405020304" pitchFamily="18" charset="0"/>
+                <a:cs typeface="Times New Roman" panose="02020603050405020304" pitchFamily="18" charset="0"/>
+              </a:rPr>
+              <a:t>[3] </a:t>
+            </a:r>
+            <a:r>
+              <a:rPr lang="en-US" sz="2900" dirty="0">
+                <a:latin typeface="Times New Roman" panose="02020603050405020304" pitchFamily="18" charset="0"/>
+                <a:cs typeface="Times New Roman" panose="02020603050405020304" pitchFamily="18" charset="0"/>
+                <a:hlinkClick r:id="rId2"/>
+              </a:rPr>
+              <a:t>https://refactoring.guru/design-patterns/iterator</a:t>
+            </a:r>
+            <a:endParaRPr lang="en-US" sz="2900" dirty="0">
+              <a:latin typeface="Times New Roman" panose="02020603050405020304" pitchFamily="18" charset="0"/>
+              <a:cs typeface="Times New Roman" panose="02020603050405020304" pitchFamily="18" charset="0"/>
+            </a:endParaRPr>
+          </a:p>
+          <a:p>
+            <a:pPr marL="0" indent="0">
+              <a:lnSpc>
+                <a:spcPct val="150000"/>
+              </a:lnSpc>
+              <a:buNone/>
+            </a:pPr>
+            <a:r>
+              <a:rPr lang="en-US" sz="2900" dirty="0">
+                <a:latin typeface="Times New Roman" panose="02020603050405020304" pitchFamily="18" charset="0"/>
+                <a:cs typeface="Times New Roman" panose="02020603050405020304" pitchFamily="18" charset="0"/>
+              </a:rPr>
+              <a:t>[4] </a:t>
+            </a:r>
+            <a:r>
+              <a:rPr lang="en-US" sz="2900" dirty="0">
+                <a:latin typeface="Times New Roman" panose="02020603050405020304" pitchFamily="18" charset="0"/>
+                <a:cs typeface="Times New Roman" panose="02020603050405020304" pitchFamily="18" charset="0"/>
+                <a:hlinkClick r:id="rId3"/>
+              </a:rPr>
+              <a:t>https://sourcemaking.com/design_patterns/visitor</a:t>
+            </a:r>
+            <a:endParaRPr lang="en-US" sz="2900" dirty="0">
+              <a:latin typeface="Times New Roman" panose="02020603050405020304" pitchFamily="18" charset="0"/>
+              <a:cs typeface="Times New Roman" panose="02020603050405020304" pitchFamily="18" charset="0"/>
+            </a:endParaRPr>
+          </a:p>
+          <a:p>
+            <a:pPr marL="0" indent="0">
+              <a:lnSpc>
+                <a:spcPct val="150000"/>
+              </a:lnSpc>
+              <a:buNone/>
+            </a:pPr>
+            <a:r>
+              <a:rPr lang="en-US" sz="2900" dirty="0">
+                <a:latin typeface="Times New Roman" panose="02020603050405020304" pitchFamily="18" charset="0"/>
+                <a:cs typeface="Times New Roman" panose="02020603050405020304" pitchFamily="18" charset="0"/>
+              </a:rPr>
+              <a:t>[5] </a:t>
+            </a:r>
+            <a:r>
+              <a:rPr lang="en-US" sz="2900" dirty="0">
+                <a:latin typeface="Times New Roman" panose="02020603050405020304" pitchFamily="18" charset="0"/>
+                <a:cs typeface="Times New Roman" panose="02020603050405020304" pitchFamily="18" charset="0"/>
+                <a:hlinkClick r:id="rId4"/>
+              </a:rPr>
+              <a:t>https://en.wikipedia.org/wiki/Visitor_pattern</a:t>
+            </a:r>
+            <a:endParaRPr lang="en-US" sz="2900" dirty="0">
+              <a:latin typeface="Times New Roman" panose="02020603050405020304" pitchFamily="18" charset="0"/>
+              <a:cs typeface="Times New Roman" panose="02020603050405020304" pitchFamily="18" charset="0"/>
+            </a:endParaRPr>
+          </a:p>
+        </p:txBody>
+      </p:sp>
+      <p:sp>
+        <p:nvSpPr>
+          <p:cNvPr id="2" name="Slide Number Placeholder 1">
+            <a:extLst>
+              <a:ext uri="{FF2B5EF4-FFF2-40B4-BE49-F238E27FC236}">
+                <a16:creationId xmlns:a16="http://schemas.microsoft.com/office/drawing/2014/main" id="{6DE9867A-FFBF-402F-BE1D-A9B8278A0D10}"/>
+              </a:ext>
+            </a:extLst>
+          </p:cNvPr>
+          <p:cNvSpPr>
+            <a:spLocks noGrp="1"/>
+          </p:cNvSpPr>
+          <p:nvPr>
+            <p:ph type="sldNum" sz="quarter" idx="12"/>
+          </p:nvPr>
+        </p:nvSpPr>
+        <p:spPr/>
+        <p:txBody>
+          <a:bodyPr/>
+          <a:lstStyle/>
+          <a:p>
+            <a:fld id="{18C32E93-6A1A-49D7-90B2-9114AA7B184E}" type="slidenum">
+              <a:rPr lang="en-US" smtClean="0"/>
+              <a:t>38</a:t>
+            </a:fld>
+            <a:endParaRPr lang="en-US"/>
+          </a:p>
+        </p:txBody>
+      </p:sp>
+    </p:spTree>
+    <p:extLst>
+      <p:ext uri="{BB962C8B-B14F-4D97-AF65-F5344CB8AC3E}">
+        <p14:creationId xmlns:p14="http://schemas.microsoft.com/office/powerpoint/2010/main" val="1890660364"/>
+      </p:ext>
+    </p:extLst>
+  </p:cSld>
+  <p:clrMapOvr>
+    <a:masterClrMapping/>
+  </p:clrMapOvr>
+  <p:timing>
+    <p:tnLst>
+      <p:par>
+        <p:cTn id="1" dur="indefinite" restart="never" nodeType="tmRoot">
+          <p:childTnLst>
+            <p:seq concurrent="1" nextAc="seek">
+              <p:cTn id="2" dur="indefinite" nodeType="mainSeq">
+                <p:childTnLst>
+                  <p:par>
+                    <p:cTn id="3" fill="hold">
+                      <p:stCondLst>
+                        <p:cond delay="indefinite"/>
+                      </p:stCondLst>
+                      <p:childTnLst>
+                        <p:par>
+                          <p:cTn id="4" fill="hold">
+                            <p:stCondLst>
+                              <p:cond delay="0"/>
+                            </p:stCondLst>
+                            <p:childTnLst>
+                              <p:par>
+                                <p:cTn id="5" presetID="10" presetClass="entr" presetSubtype="0" fill="hold" grpId="0" nodeType="clickEffect">
+                                  <p:stCondLst>
+                                    <p:cond delay="0"/>
+                                  </p:stCondLst>
+                                  <p:childTnLst>
+                                    <p:set>
+                                      <p:cBhvr>
+                                        <p:cTn id="6" dur="1" fill="hold">
+                                          <p:stCondLst>
+                                            <p:cond delay="0"/>
+                                          </p:stCondLst>
+                                        </p:cTn>
+                                        <p:tgtEl>
+                                          <p:spTgt spid="4">
+                                            <p:txEl>
+                                              <p:pRg st="0" end="0"/>
+                                            </p:txEl>
+                                          </p:spTgt>
+                                        </p:tgtEl>
+                                        <p:attrNameLst>
+                                          <p:attrName>style.visibility</p:attrName>
+                                        </p:attrNameLst>
+                                      </p:cBhvr>
+                                      <p:to>
+                                        <p:strVal val="visible"/>
+                                      </p:to>
+                                    </p:set>
+                                    <p:animEffect transition="in" filter="fade">
+                                      <p:cBhvr>
+                                        <p:cTn id="7" dur="500"/>
+                                        <p:tgtEl>
+                                          <p:spTgt spid="4">
+                                            <p:txEl>
+                                              <p:pRg st="0" end="0"/>
+                                            </p:txEl>
+                                          </p:spTgt>
+                                        </p:tgtEl>
+                                      </p:cBhvr>
+                                    </p:animEffect>
+                                  </p:childTnLst>
+                                </p:cTn>
+                              </p:par>
+                            </p:childTnLst>
+                          </p:cTn>
+                        </p:par>
+                      </p:childTnLst>
+                    </p:cTn>
+                  </p:par>
+                  <p:par>
+                    <p:cTn id="8" fill="hold">
+                      <p:stCondLst>
+                        <p:cond delay="indefinite"/>
+                      </p:stCondLst>
+                      <p:childTnLst>
+                        <p:par>
+                          <p:cTn id="9" fill="hold">
+                            <p:stCondLst>
+                              <p:cond delay="0"/>
+                            </p:stCondLst>
+                            <p:childTnLst>
+                              <p:par>
+                                <p:cTn id="10" presetID="10" presetClass="entr" presetSubtype="0" fill="hold" grpId="0" nodeType="clickEffect">
+                                  <p:stCondLst>
+                                    <p:cond delay="0"/>
+                                  </p:stCondLst>
+                                  <p:childTnLst>
+                                    <p:set>
+                                      <p:cBhvr>
+                                        <p:cTn id="11" dur="1" fill="hold">
+                                          <p:stCondLst>
+                                            <p:cond delay="0"/>
+                                          </p:stCondLst>
+                                        </p:cTn>
+                                        <p:tgtEl>
+                                          <p:spTgt spid="4">
+                                            <p:txEl>
+                                              <p:pRg st="1" end="1"/>
+                                            </p:txEl>
+                                          </p:spTgt>
+                                        </p:tgtEl>
+                                        <p:attrNameLst>
+                                          <p:attrName>style.visibility</p:attrName>
+                                        </p:attrNameLst>
+                                      </p:cBhvr>
+                                      <p:to>
+                                        <p:strVal val="visible"/>
+                                      </p:to>
+                                    </p:set>
+                                    <p:animEffect transition="in" filter="fade">
+                                      <p:cBhvr>
+                                        <p:cTn id="12" dur="500"/>
+                                        <p:tgtEl>
+                                          <p:spTgt spid="4">
+                                            <p:txEl>
+                                              <p:pRg st="1" end="1"/>
+                                            </p:txEl>
+                                          </p:spTgt>
+                                        </p:tgtEl>
+                                      </p:cBhvr>
+                                    </p:animEffect>
+                                  </p:childTnLst>
+                                </p:cTn>
+                              </p:par>
+                            </p:childTnLst>
+                          </p:cTn>
+                        </p:par>
+                      </p:childTnLst>
+                    </p:cTn>
+                  </p:par>
+                  <p:par>
+                    <p:cTn id="13" fill="hold">
+                      <p:stCondLst>
+                        <p:cond delay="indefinite"/>
+                      </p:stCondLst>
+                      <p:childTnLst>
+                        <p:par>
+                          <p:cTn id="14" fill="hold">
+                            <p:stCondLst>
+                              <p:cond delay="0"/>
+                            </p:stCondLst>
+                            <p:childTnLst>
+                              <p:par>
+                                <p:cTn id="15" presetID="10" presetClass="entr" presetSubtype="0" fill="hold" grpId="0" nodeType="clickEffect">
+                                  <p:stCondLst>
+                                    <p:cond delay="0"/>
+                                  </p:stCondLst>
+                                  <p:childTnLst>
+                                    <p:set>
+                                      <p:cBhvr>
+                                        <p:cTn id="16" dur="1" fill="hold">
+                                          <p:stCondLst>
+                                            <p:cond delay="0"/>
+                                          </p:stCondLst>
+                                        </p:cTn>
+                                        <p:tgtEl>
+                                          <p:spTgt spid="4">
+                                            <p:txEl>
+                                              <p:pRg st="2" end="2"/>
+                                            </p:txEl>
+                                          </p:spTgt>
+                                        </p:tgtEl>
+                                        <p:attrNameLst>
+                                          <p:attrName>style.visibility</p:attrName>
+                                        </p:attrNameLst>
+                                      </p:cBhvr>
+                                      <p:to>
+                                        <p:strVal val="visible"/>
+                                      </p:to>
+                                    </p:set>
+                                    <p:animEffect transition="in" filter="fade">
+                                      <p:cBhvr>
+                                        <p:cTn id="17" dur="500"/>
+                                        <p:tgtEl>
+                                          <p:spTgt spid="4">
+                                            <p:txEl>
+                                              <p:pRg st="2" end="2"/>
+                                            </p:txEl>
+                                          </p:spTgt>
+                                        </p:tgtEl>
+                                      </p:cBhvr>
+                                    </p:animEffect>
+                                  </p:childTnLst>
+                                </p:cTn>
+                              </p:par>
+                            </p:childTnLst>
+                          </p:cTn>
+                        </p:par>
+                      </p:childTnLst>
+                    </p:cTn>
+                  </p:par>
+                  <p:par>
+                    <p:cTn id="18" fill="hold">
+                      <p:stCondLst>
+                        <p:cond delay="indefinite"/>
+                      </p:stCondLst>
+                      <p:childTnLst>
+                        <p:par>
+                          <p:cTn id="19" fill="hold">
+                            <p:stCondLst>
+                              <p:cond delay="0"/>
+                            </p:stCondLst>
+                            <p:childTnLst>
+                              <p:par>
+                                <p:cTn id="20" presetID="10" presetClass="entr" presetSubtype="0" fill="hold" grpId="0" nodeType="clickEffect">
+                                  <p:stCondLst>
+                                    <p:cond delay="0"/>
+                                  </p:stCondLst>
+                                  <p:childTnLst>
+                                    <p:set>
+                                      <p:cBhvr>
+                                        <p:cTn id="21" dur="1" fill="hold">
+                                          <p:stCondLst>
+                                            <p:cond delay="0"/>
+                                          </p:stCondLst>
+                                        </p:cTn>
+                                        <p:tgtEl>
+                                          <p:spTgt spid="4">
+                                            <p:txEl>
+                                              <p:pRg st="3" end="3"/>
+                                            </p:txEl>
+                                          </p:spTgt>
+                                        </p:tgtEl>
+                                        <p:attrNameLst>
+                                          <p:attrName>style.visibility</p:attrName>
+                                        </p:attrNameLst>
+                                      </p:cBhvr>
+                                      <p:to>
+                                        <p:strVal val="visible"/>
+                                      </p:to>
+                                    </p:set>
+                                    <p:animEffect transition="in" filter="fade">
+                                      <p:cBhvr>
+                                        <p:cTn id="22" dur="500"/>
+                                        <p:tgtEl>
+                                          <p:spTgt spid="4">
+                                            <p:txEl>
+                                              <p:pRg st="3" end="3"/>
+                                            </p:txEl>
+                                          </p:spTgt>
+                                        </p:tgtEl>
+                                      </p:cBhvr>
+                                    </p:animEffect>
+                                  </p:childTnLst>
+                                </p:cTn>
+                              </p:par>
+                            </p:childTnLst>
+                          </p:cTn>
+                        </p:par>
+                      </p:childTnLst>
+                    </p:cTn>
+                  </p:par>
+                  <p:par>
+                    <p:cTn id="23" fill="hold">
+                      <p:stCondLst>
+                        <p:cond delay="indefinite"/>
+                      </p:stCondLst>
+                      <p:childTnLst>
+                        <p:par>
+                          <p:cTn id="24" fill="hold">
+                            <p:stCondLst>
+                              <p:cond delay="0"/>
+                            </p:stCondLst>
+                            <p:childTnLst>
+                              <p:par>
+                                <p:cTn id="25" presetID="10" presetClass="entr" presetSubtype="0" fill="hold" grpId="0" nodeType="clickEffect">
+                                  <p:stCondLst>
+                                    <p:cond delay="0"/>
+                                  </p:stCondLst>
+                                  <p:childTnLst>
+                                    <p:set>
+                                      <p:cBhvr>
+                                        <p:cTn id="26" dur="1" fill="hold">
+                                          <p:stCondLst>
+                                            <p:cond delay="0"/>
+                                          </p:stCondLst>
+                                        </p:cTn>
+                                        <p:tgtEl>
+                                          <p:spTgt spid="4">
+                                            <p:txEl>
+                                              <p:pRg st="4" end="4"/>
+                                            </p:txEl>
+                                          </p:spTgt>
+                                        </p:tgtEl>
+                                        <p:attrNameLst>
+                                          <p:attrName>style.visibility</p:attrName>
+                                        </p:attrNameLst>
+                                      </p:cBhvr>
+                                      <p:to>
+                                        <p:strVal val="visible"/>
+                                      </p:to>
+                                    </p:set>
+                                    <p:animEffect transition="in" filter="fade">
+                                      <p:cBhvr>
+                                        <p:cTn id="27" dur="500"/>
+                                        <p:tgtEl>
+                                          <p:spTgt spid="4">
+                                            <p:txEl>
+                                              <p:pRg st="4" end="4"/>
+                                            </p:txEl>
+                                          </p:spTgt>
+                                        </p:tgtEl>
+                                      </p:cBhvr>
+                                    </p:animEffect>
+                                  </p:childTnLst>
+                                </p:cTn>
+                              </p:par>
+                            </p:childTnLst>
+                          </p:cTn>
+                        </p:par>
+                      </p:childTnLst>
+                    </p:cTn>
+                  </p:par>
+                </p:childTnLst>
+              </p:cTn>
+              <p:prevCondLst>
+                <p:cond evt="onPrev" delay="0">
+                  <p:tgtEl>
+                    <p:sldTgt/>
+                  </p:tgtEl>
+                </p:cond>
+              </p:prevCondLst>
+              <p:nextCondLst>
+                <p:cond evt="onNext" delay="0">
+                  <p:tgtEl>
+                    <p:sldTgt/>
+                  </p:tgtEl>
+                </p:cond>
+              </p:nextCondLst>
+            </p:seq>
+          </p:childTnLst>
+        </p:cTn>
+      </p:par>
+    </p:tnLst>
+    <p:bldLst>
+      <p:bldP spid="4" grpId="0" uiExpand="1" build="p"/>
+    </p:bldLst>
+  </p:timing>
+</p:sld>
+</file>
+
+<file path=ppt/slides/slide39.xml><?xml version="1.0" encoding="utf-8"?>
 <p:sld xmlns:a="http://schemas.openxmlformats.org/drawingml/2006/main" xmlns:r="http://schemas.openxmlformats.org/officeDocument/2006/relationships" xmlns:p="http://schemas.openxmlformats.org/presentationml/2006/main">
   <p:cSld>
     <p:spTree>
@@ -29630,7 +30423,7 @@
           <a:p>
             <a:fld id="{18C32E93-6A1A-49D7-90B2-9114AA7B184E}" type="slidenum">
               <a:rPr lang="en-US" smtClean="0"/>
-              <a:t>38</a:t>
+              <a:t>39</a:t>
             </a:fld>
             <a:endParaRPr lang="en-US"/>
           </a:p>
@@ -32627,41 +33420,6 @@
           </a:p>
         </p:txBody>
       </p:sp>
-      <p:pic>
-        <p:nvPicPr>
-          <p:cNvPr id="11" name="Content Placeholder 10" descr="A screenshot of a cell phone&#10;&#10;Description automatically generated">
-            <a:extLst>
-              <a:ext uri="{FF2B5EF4-FFF2-40B4-BE49-F238E27FC236}">
-                <a16:creationId xmlns:a16="http://schemas.microsoft.com/office/drawing/2014/main" id="{F3886F61-97E5-42D5-9D39-840729595B88}"/>
-              </a:ext>
-            </a:extLst>
-          </p:cNvPr>
-          <p:cNvPicPr>
-            <a:picLocks noGrp="1" noChangeAspect="1"/>
-          </p:cNvPicPr>
-          <p:nvPr>
-            <p:ph idx="1"/>
-          </p:nvPr>
-        </p:nvPicPr>
-        <p:blipFill>
-          <a:blip r:embed="rId2">
-            <a:extLst>
-              <a:ext uri="{28A0092B-C50C-407E-A947-70E740481C1C}">
-                <a14:useLocalDpi xmlns:a14="http://schemas.microsoft.com/office/drawing/2010/main" val="0"/>
-              </a:ext>
-            </a:extLst>
-          </a:blip>
-          <a:stretch>
-            <a:fillRect/>
-          </a:stretch>
-        </p:blipFill>
-        <p:spPr>
-          <a:xfrm>
-            <a:off x="1616411" y="998537"/>
-            <a:ext cx="8959177" cy="5097463"/>
-          </a:xfrm>
-        </p:spPr>
-      </p:pic>
       <p:sp>
         <p:nvSpPr>
           <p:cNvPr id="12" name="Slide Number Placeholder 11">
@@ -32691,6 +33449,41 @@
           </a:p>
         </p:txBody>
       </p:sp>
+      <p:pic>
+        <p:nvPicPr>
+          <p:cNvPr id="6" name="Content Placeholder 5" descr="A screenshot of a cell phone&#10;&#10;Description automatically generated">
+            <a:extLst>
+              <a:ext uri="{FF2B5EF4-FFF2-40B4-BE49-F238E27FC236}">
+                <a16:creationId xmlns:a16="http://schemas.microsoft.com/office/drawing/2014/main" id="{8EBB3411-1DED-424B-906B-2F952A5CF7C7}"/>
+              </a:ext>
+            </a:extLst>
+          </p:cNvPr>
+          <p:cNvPicPr>
+            <a:picLocks noGrp="1" noChangeAspect="1"/>
+          </p:cNvPicPr>
+          <p:nvPr>
+            <p:ph idx="1"/>
+          </p:nvPr>
+        </p:nvPicPr>
+        <p:blipFill>
+          <a:blip r:embed="rId2">
+            <a:extLst>
+              <a:ext uri="{28A0092B-C50C-407E-A947-70E740481C1C}">
+                <a14:useLocalDpi xmlns:a14="http://schemas.microsoft.com/office/drawing/2010/main" val="0"/>
+              </a:ext>
+            </a:extLst>
+          </a:blip>
+          <a:stretch>
+            <a:fillRect/>
+          </a:stretch>
+        </p:blipFill>
+        <p:spPr>
+          <a:xfrm>
+            <a:off x="1472719" y="1003526"/>
+            <a:ext cx="9246562" cy="5260975"/>
+          </a:xfrm>
+        </p:spPr>
+      </p:pic>
     </p:spTree>
     <p:extLst>
       <p:ext uri="{BB962C8B-B14F-4D97-AF65-F5344CB8AC3E}">
@@ -32725,7 +33518,7 @@
                             </p:stCondLst>
                             <p:childTnLst>
                               <p:par>
-                                <p:cTn id="5" presetID="10" presetClass="entr" presetSubtype="0" fill="hold" nodeType="withEffect">
+                                <p:cTn id="5" presetID="42" presetClass="entr" presetSubtype="0" fill="hold" grpId="0" nodeType="withEffect">
                                   <p:stCondLst>
                                     <p:cond delay="0"/>
                                   </p:stCondLst>
@@ -32733,41 +33526,6 @@
                                     <p:set>
                                       <p:cBhvr>
                                         <p:cTn id="6" dur="1" fill="hold">
-                                          <p:stCondLst>
-                                            <p:cond delay="0"/>
-                                          </p:stCondLst>
-                                        </p:cTn>
-                                        <p:tgtEl>
-                                          <p:spTgt spid="11"/>
-                                        </p:tgtEl>
-                                        <p:attrNameLst>
-                                          <p:attrName>style.visibility</p:attrName>
-                                        </p:attrNameLst>
-                                      </p:cBhvr>
-                                      <p:to>
-                                        <p:strVal val="visible"/>
-                                      </p:to>
-                                    </p:set>
-                                    <p:animEffect transition="in" filter="fade">
-                                      <p:cBhvr>
-                                        <p:cTn id="7" dur="500"/>
-                                        <p:tgtEl>
-                                          <p:spTgt spid="11"/>
-                                        </p:tgtEl>
-                                      </p:cBhvr>
-                                    </p:animEffect>
-                                  </p:childTnLst>
-                                </p:cTn>
-                              </p:par>
-                              <p:par>
-                                <p:cTn id="8" presetID="42" presetClass="entr" presetSubtype="0" fill="hold" grpId="0" nodeType="withEffect">
-                                  <p:stCondLst>
-                                    <p:cond delay="0"/>
-                                  </p:stCondLst>
-                                  <p:childTnLst>
-                                    <p:set>
-                                      <p:cBhvr>
-                                        <p:cTn id="9" dur="1" fill="hold">
                                           <p:stCondLst>
                                             <p:cond delay="0"/>
                                           </p:stCondLst>
@@ -32785,7 +33543,7 @@
                                     </p:set>
                                     <p:animEffect transition="in" filter="fade">
                                       <p:cBhvr>
-                                        <p:cTn id="10" dur="500"/>
+                                        <p:cTn id="7" dur="500"/>
                                         <p:tgtEl>
                                           <p:spTgt spid="7"/>
                                         </p:tgtEl>
@@ -32793,7 +33551,7 @@
                                     </p:animEffect>
                                     <p:anim calcmode="lin" valueType="num">
                                       <p:cBhvr>
-                                        <p:cTn id="11" dur="500" fill="hold"/>
+                                        <p:cTn id="8" dur="500" fill="hold"/>
                                         <p:tgtEl>
                                           <p:spTgt spid="7"/>
                                         </p:tgtEl>
@@ -32816,7 +33574,7 @@
                                     </p:anim>
                                     <p:anim calcmode="lin" valueType="num">
                                       <p:cBhvr>
-                                        <p:cTn id="12" dur="500" fill="hold"/>
+                                        <p:cTn id="9" dur="500" fill="hold"/>
                                         <p:tgtEl>
                                           <p:spTgt spid="7"/>
                                         </p:tgtEl>
@@ -34165,41 +34923,6 @@
           </a:p>
         </p:txBody>
       </p:sp>
-      <p:pic>
-        <p:nvPicPr>
-          <p:cNvPr id="5" name="Content Placeholder 4" descr="A screenshot of a cell phone&#10;&#10;Description automatically generated">
-            <a:extLst>
-              <a:ext uri="{FF2B5EF4-FFF2-40B4-BE49-F238E27FC236}">
-                <a16:creationId xmlns:a16="http://schemas.microsoft.com/office/drawing/2014/main" id="{AAECF419-5D9B-4432-9DFD-DBF6724A4B9E}"/>
-              </a:ext>
-            </a:extLst>
-          </p:cNvPr>
-          <p:cNvPicPr>
-            <a:picLocks noGrp="1" noChangeAspect="1"/>
-          </p:cNvPicPr>
-          <p:nvPr>
-            <p:ph idx="1"/>
-          </p:nvPr>
-        </p:nvPicPr>
-        <p:blipFill>
-          <a:blip r:embed="rId2">
-            <a:extLst>
-              <a:ext uri="{28A0092B-C50C-407E-A947-70E740481C1C}">
-                <a14:useLocalDpi xmlns:a14="http://schemas.microsoft.com/office/drawing/2010/main" val="0"/>
-              </a:ext>
-            </a:extLst>
-          </a:blip>
-          <a:stretch>
-            <a:fillRect/>
-          </a:stretch>
-        </p:blipFill>
-        <p:spPr>
-          <a:xfrm>
-            <a:off x="2187983" y="1127548"/>
-            <a:ext cx="7816029" cy="4797425"/>
-          </a:xfrm>
-        </p:spPr>
-      </p:pic>
       <p:sp>
         <p:nvSpPr>
           <p:cNvPr id="6" name="TextBox 5">
@@ -34457,6 +35180,41 @@
           </a:p>
         </p:txBody>
       </p:sp>
+      <p:pic>
+        <p:nvPicPr>
+          <p:cNvPr id="9" name="Content Placeholder 8" descr="A screenshot of a cell phone&#10;&#10;Description automatically generated">
+            <a:extLst>
+              <a:ext uri="{FF2B5EF4-FFF2-40B4-BE49-F238E27FC236}">
+                <a16:creationId xmlns:a16="http://schemas.microsoft.com/office/drawing/2014/main" id="{6B3BFEEF-2443-4DC3-8B4B-2991D7225212}"/>
+              </a:ext>
+            </a:extLst>
+          </p:cNvPr>
+          <p:cNvPicPr>
+            <a:picLocks noGrp="1" noChangeAspect="1"/>
+          </p:cNvPicPr>
+          <p:nvPr>
+            <p:ph idx="1"/>
+          </p:nvPr>
+        </p:nvPicPr>
+        <p:blipFill>
+          <a:blip r:embed="rId2">
+            <a:extLst>
+              <a:ext uri="{28A0092B-C50C-407E-A947-70E740481C1C}">
+                <a14:useLocalDpi xmlns:a14="http://schemas.microsoft.com/office/drawing/2010/main" val="0"/>
+              </a:ext>
+            </a:extLst>
+          </a:blip>
+          <a:stretch>
+            <a:fillRect/>
+          </a:stretch>
+        </p:blipFill>
+        <p:spPr>
+          <a:xfrm>
+            <a:off x="1915909" y="1045543"/>
+            <a:ext cx="8360178" cy="5131420"/>
+          </a:xfrm>
+        </p:spPr>
+      </p:pic>
     </p:spTree>
     <p:extLst>
       <p:ext uri="{BB962C8B-B14F-4D97-AF65-F5344CB8AC3E}">
@@ -34491,7 +35249,7 @@
                             </p:stCondLst>
                             <p:childTnLst>
                               <p:par>
-                                <p:cTn id="5" presetID="10" presetClass="entr" presetSubtype="0" fill="hold" nodeType="withEffect">
+                                <p:cTn id="5" presetID="42" presetClass="entr" presetSubtype="0" fill="hold" grpId="0" nodeType="withEffect">
                                   <p:stCondLst>
                                     <p:cond delay="0"/>
                                   </p:stCondLst>
@@ -34499,41 +35257,6 @@
                                     <p:set>
                                       <p:cBhvr>
                                         <p:cTn id="6" dur="1" fill="hold">
-                                          <p:stCondLst>
-                                            <p:cond delay="0"/>
-                                          </p:stCondLst>
-                                        </p:cTn>
-                                        <p:tgtEl>
-                                          <p:spTgt spid="5"/>
-                                        </p:tgtEl>
-                                        <p:attrNameLst>
-                                          <p:attrName>style.visibility</p:attrName>
-                                        </p:attrNameLst>
-                                      </p:cBhvr>
-                                      <p:to>
-                                        <p:strVal val="visible"/>
-                                      </p:to>
-                                    </p:set>
-                                    <p:animEffect transition="in" filter="fade">
-                                      <p:cBhvr>
-                                        <p:cTn id="7" dur="500"/>
-                                        <p:tgtEl>
-                                          <p:spTgt spid="5"/>
-                                        </p:tgtEl>
-                                      </p:cBhvr>
-                                    </p:animEffect>
-                                  </p:childTnLst>
-                                </p:cTn>
-                              </p:par>
-                              <p:par>
-                                <p:cTn id="8" presetID="42" presetClass="entr" presetSubtype="0" fill="hold" grpId="0" nodeType="withEffect">
-                                  <p:stCondLst>
-                                    <p:cond delay="0"/>
-                                  </p:stCondLst>
-                                  <p:childTnLst>
-                                    <p:set>
-                                      <p:cBhvr>
-                                        <p:cTn id="9" dur="1" fill="hold">
                                           <p:stCondLst>
                                             <p:cond delay="0"/>
                                           </p:stCondLst>
@@ -34551,7 +35274,7 @@
                                     </p:set>
                                     <p:animEffect transition="in" filter="fade">
                                       <p:cBhvr>
-                                        <p:cTn id="10" dur="500"/>
+                                        <p:cTn id="7" dur="500"/>
                                         <p:tgtEl>
                                           <p:spTgt spid="6"/>
                                         </p:tgtEl>
@@ -34559,7 +35282,7 @@
                                     </p:animEffect>
                                     <p:anim calcmode="lin" valueType="num">
                                       <p:cBhvr>
-                                        <p:cTn id="11" dur="500" fill="hold"/>
+                                        <p:cTn id="8" dur="500" fill="hold"/>
                                         <p:tgtEl>
                                           <p:spTgt spid="6"/>
                                         </p:tgtEl>
@@ -34582,7 +35305,7 @@
                                     </p:anim>
                                     <p:anim calcmode="lin" valueType="num">
                                       <p:cBhvr>
-                                        <p:cTn id="12" dur="500" fill="hold"/>
+                                        <p:cTn id="9" dur="500" fill="hold"/>
                                         <p:tgtEl>
                                           <p:spTgt spid="6"/>
                                         </p:tgtEl>

--- a/Design Patterns/Design Patterns [Official]/Visitor/Visitor Design Pattern [Official].pptx
+++ b/Design Patterns/Design Patterns [Official]/Visitor/Visitor Design Pattern [Official].pptx
@@ -4001,7 +4001,7 @@
                 <a:latin typeface="Times New Roman" panose="02020603050405020304" pitchFamily="18" charset="0"/>
                 <a:cs typeface="Times New Roman" panose="02020603050405020304" pitchFamily="18" charset="0"/>
               </a:rPr>
-              <a:t>	1. </a:t>
+              <a:t>	</a:t>
             </a:r>
             <a:r>
               <a:rPr lang="en-US" sz="4500" dirty="0" err="1">
@@ -5951,7 +5951,7 @@
                 <a:latin typeface="Times New Roman" panose="02020603050405020304" pitchFamily="18" charset="0"/>
                 <a:cs typeface="Times New Roman" panose="02020603050405020304" pitchFamily="18" charset="0"/>
               </a:rPr>
-              <a:t>2. Ý TƯỞNG</a:t>
+              <a:t>Ý TƯỞNG</a:t>
             </a:r>
             <a:endParaRPr lang="en-US" sz="5500" kern="1200" dirty="0">
               <a:solidFill>
@@ -6068,7 +6068,7 @@
                 <a:latin typeface="Times New Roman" panose="02020603050405020304" pitchFamily="18" charset="0"/>
                 <a:cs typeface="Times New Roman" panose="02020603050405020304" pitchFamily="18" charset="0"/>
               </a:rPr>
-              <a:t>	2. </a:t>
+              <a:t>	</a:t>
             </a:r>
             <a:r>
               <a:rPr lang="en-US" sz="4500" dirty="0">
@@ -7745,7 +7745,7 @@
                 <a:latin typeface="Times New Roman" panose="02020603050405020304" pitchFamily="18" charset="0"/>
                 <a:cs typeface="Times New Roman" panose="02020603050405020304" pitchFamily="18" charset="0"/>
               </a:rPr>
-              <a:t>	2. </a:t>
+              <a:t>	</a:t>
             </a:r>
             <a:r>
               <a:rPr lang="en-US" sz="4500" dirty="0">
@@ -9510,7 +9510,7 @@
                 <a:latin typeface="Times New Roman" panose="02020603050405020304" pitchFamily="18" charset="0"/>
                 <a:cs typeface="Times New Roman" panose="02020603050405020304" pitchFamily="18" charset="0"/>
               </a:rPr>
-              <a:t>3. LIÊN T</a:t>
+              <a:t>LIÊN T</a:t>
             </a:r>
             <a:r>
               <a:rPr lang="vi-VN" sz="5500" dirty="0">
@@ -9661,7 +9661,7 @@
                 <a:latin typeface="Times New Roman" panose="02020603050405020304" pitchFamily="18" charset="0"/>
                 <a:cs typeface="Times New Roman" panose="02020603050405020304" pitchFamily="18" charset="0"/>
               </a:rPr>
-              <a:t>	3. </a:t>
+              <a:t>	</a:t>
             </a:r>
             <a:r>
               <a:rPr lang="en-US" sz="4500" dirty="0" err="1">
@@ -11120,7 +11120,7 @@
                 <a:latin typeface="Times New Roman" panose="02020603050405020304" pitchFamily="18" charset="0"/>
                 <a:cs typeface="Times New Roman" panose="02020603050405020304" pitchFamily="18" charset="0"/>
               </a:rPr>
-              <a:t>4. GIẢI QUYẾT</a:t>
+              <a:t>GIẢI QUYẾT</a:t>
             </a:r>
             <a:endParaRPr lang="en-US" sz="5500" kern="1200" dirty="0">
               <a:solidFill>
@@ -11238,16 +11238,6 @@
                 <a:cs typeface="Times New Roman" panose="02020603050405020304" pitchFamily="18" charset="0"/>
               </a:rPr>
               <a:t>	</a:t>
-            </a:r>
-            <a:r>
-              <a:rPr lang="en-US" sz="4500" dirty="0">
-                <a:solidFill>
-                  <a:schemeClr val="bg1"/>
-                </a:solidFill>
-                <a:latin typeface="Times New Roman" panose="02020603050405020304" pitchFamily="18" charset="0"/>
-                <a:cs typeface="Times New Roman" panose="02020603050405020304" pitchFamily="18" charset="0"/>
-              </a:rPr>
-              <a:t>4. </a:t>
             </a:r>
             <a:r>
               <a:rPr lang="en-US" sz="4500" dirty="0" err="1">
@@ -12026,16 +12016,6 @@
               <a:t>	</a:t>
             </a:r>
             <a:r>
-              <a:rPr lang="en-US" sz="4500" dirty="0">
-                <a:solidFill>
-                  <a:schemeClr val="bg1"/>
-                </a:solidFill>
-                <a:latin typeface="Times New Roman" panose="02020603050405020304" pitchFamily="18" charset="0"/>
-                <a:cs typeface="Times New Roman" panose="02020603050405020304" pitchFamily="18" charset="0"/>
-              </a:rPr>
-              <a:t>4. </a:t>
-            </a:r>
-            <a:r>
               <a:rPr lang="en-US" sz="4500" dirty="0" err="1">
                 <a:solidFill>
                   <a:schemeClr val="bg1"/>
@@ -12297,16 +12277,6 @@
               <a:t>	</a:t>
             </a:r>
             <a:r>
-              <a:rPr lang="en-US" sz="4500" dirty="0">
-                <a:solidFill>
-                  <a:schemeClr val="bg1"/>
-                </a:solidFill>
-                <a:latin typeface="Times New Roman" panose="02020603050405020304" pitchFamily="18" charset="0"/>
-                <a:cs typeface="Times New Roman" panose="02020603050405020304" pitchFamily="18" charset="0"/>
-              </a:rPr>
-              <a:t>4. </a:t>
-            </a:r>
-            <a:r>
               <a:rPr lang="en-US" sz="4500" dirty="0" err="1">
                 <a:solidFill>
                   <a:schemeClr val="bg1"/>
@@ -12375,53 +12345,25 @@
           <a:lstStyle/>
           <a:p>
             <a:r>
-              <a:rPr lang="en-US" sz="2900" dirty="0">
-                <a:latin typeface="Times New Roman" panose="02020603050405020304" pitchFamily="18" charset="0"/>
-                <a:cs typeface="Times New Roman" panose="02020603050405020304" pitchFamily="18" charset="0"/>
-              </a:rPr>
-              <a:t>Tr</a:t>
-            </a:r>
-            <a:r>
-              <a:rPr lang="vi-VN" sz="2900" dirty="0">
-                <a:latin typeface="Times New Roman" panose="02020603050405020304" pitchFamily="18" charset="0"/>
-                <a:cs typeface="Times New Roman" panose="02020603050405020304" pitchFamily="18" charset="0"/>
-              </a:rPr>
-              <a:t>ư</a:t>
-            </a:r>
-            <a:r>
-              <a:rPr lang="en-US" sz="2900" dirty="0" err="1">
-                <a:latin typeface="Times New Roman" panose="02020603050405020304" pitchFamily="18" charset="0"/>
-                <a:cs typeface="Times New Roman" panose="02020603050405020304" pitchFamily="18" charset="0"/>
-              </a:rPr>
-              <a:t>ớc</a:t>
-            </a:r>
-            <a:r>
-              <a:rPr lang="en-US" sz="2900" dirty="0">
-                <a:latin typeface="Times New Roman" panose="02020603050405020304" pitchFamily="18" charset="0"/>
-                <a:cs typeface="Times New Roman" panose="02020603050405020304" pitchFamily="18" charset="0"/>
-              </a:rPr>
-              <a:t> khi </a:t>
-            </a:r>
-            <a:r>
-              <a:rPr lang="en-US" sz="2900" dirty="0" err="1">
-                <a:latin typeface="Times New Roman" panose="02020603050405020304" pitchFamily="18" charset="0"/>
-                <a:cs typeface="Times New Roman" panose="02020603050405020304" pitchFamily="18" charset="0"/>
-              </a:rPr>
-              <a:t>cải</a:t>
-            </a:r>
-            <a:r>
-              <a:rPr lang="en-US" sz="2900" dirty="0">
-                <a:latin typeface="Times New Roman" panose="02020603050405020304" pitchFamily="18" charset="0"/>
-                <a:cs typeface="Times New Roman" panose="02020603050405020304" pitchFamily="18" charset="0"/>
-              </a:rPr>
-              <a:t> </a:t>
-            </a:r>
-            <a:r>
-              <a:rPr lang="en-US" sz="2900" dirty="0" err="1">
-                <a:latin typeface="Times New Roman" panose="02020603050405020304" pitchFamily="18" charset="0"/>
-                <a:cs typeface="Times New Roman" panose="02020603050405020304" pitchFamily="18" charset="0"/>
-              </a:rPr>
-              <a:t>tiến</a:t>
+              <a:rPr lang="en-US" sz="2900" dirty="0" err="1">
+                <a:latin typeface="Times New Roman" panose="02020603050405020304" pitchFamily="18" charset="0"/>
+                <a:cs typeface="Times New Roman" panose="02020603050405020304" pitchFamily="18" charset="0"/>
+              </a:rPr>
+              <a:t>Cách</a:t>
+            </a:r>
+            <a:r>
+              <a:rPr lang="en-US" sz="2900" dirty="0">
+                <a:latin typeface="Times New Roman" panose="02020603050405020304" pitchFamily="18" charset="0"/>
+                <a:cs typeface="Times New Roman" panose="02020603050405020304" pitchFamily="18" charset="0"/>
+              </a:rPr>
+              <a:t> ban </a:t>
+            </a:r>
+            <a:r>
+              <a:rPr lang="en-US" sz="2900" dirty="0" err="1">
+                <a:latin typeface="Times New Roman" panose="02020603050405020304" pitchFamily="18" charset="0"/>
+                <a:cs typeface="Times New Roman" panose="02020603050405020304" pitchFamily="18" charset="0"/>
+              </a:rPr>
+              <a:t>đầu</a:t>
             </a:r>
             <a:r>
               <a:rPr lang="en-US" sz="2900" dirty="0">
@@ -13093,39 +13035,32 @@
           </a:lstStyle>
           <a:p>
             <a:r>
-              <a:rPr lang="en-US" sz="2900" dirty="0">
-                <a:latin typeface="Times New Roman" panose="02020603050405020304" pitchFamily="18" charset="0"/>
-                <a:cs typeface="Times New Roman" panose="02020603050405020304" pitchFamily="18" charset="0"/>
-              </a:rPr>
-              <a:t>Sau khi </a:t>
-            </a:r>
-            <a:r>
-              <a:rPr lang="en-US" sz="2900" dirty="0" err="1">
-                <a:latin typeface="Times New Roman" panose="02020603050405020304" pitchFamily="18" charset="0"/>
-                <a:cs typeface="Times New Roman" panose="02020603050405020304" pitchFamily="18" charset="0"/>
-              </a:rPr>
-              <a:t>cải</a:t>
-            </a:r>
-            <a:r>
-              <a:rPr lang="en-US" sz="2900" dirty="0">
-                <a:latin typeface="Times New Roman" panose="02020603050405020304" pitchFamily="18" charset="0"/>
-                <a:cs typeface="Times New Roman" panose="02020603050405020304" pitchFamily="18" charset="0"/>
-              </a:rPr>
-              <a:t> </a:t>
-            </a:r>
-            <a:r>
-              <a:rPr lang="en-US" sz="2900" dirty="0" err="1">
-                <a:latin typeface="Times New Roman" panose="02020603050405020304" pitchFamily="18" charset="0"/>
-                <a:cs typeface="Times New Roman" panose="02020603050405020304" pitchFamily="18" charset="0"/>
-              </a:rPr>
-              <a:t>tiến</a:t>
-            </a:r>
-            <a:r>
-              <a:rPr lang="en-US" sz="2900" dirty="0">
-                <a:latin typeface="Times New Roman" panose="02020603050405020304" pitchFamily="18" charset="0"/>
-                <a:cs typeface="Times New Roman" panose="02020603050405020304" pitchFamily="18" charset="0"/>
-              </a:rPr>
-              <a:t>:</a:t>
+              <a:rPr lang="en-US" sz="2900" dirty="0" err="1">
+                <a:latin typeface="Times New Roman" panose="02020603050405020304" pitchFamily="18" charset="0"/>
+                <a:cs typeface="Times New Roman" panose="02020603050405020304" pitchFamily="18" charset="0"/>
+              </a:rPr>
+              <a:t>Sử</a:t>
+            </a:r>
+            <a:r>
+              <a:rPr lang="en-US" sz="2900" dirty="0">
+                <a:latin typeface="Times New Roman" panose="02020603050405020304" pitchFamily="18" charset="0"/>
+                <a:cs typeface="Times New Roman" panose="02020603050405020304" pitchFamily="18" charset="0"/>
+              </a:rPr>
+              <a:t> </a:t>
+            </a:r>
+            <a:r>
+              <a:rPr lang="en-US" sz="2900" dirty="0" err="1">
+                <a:latin typeface="Times New Roman" panose="02020603050405020304" pitchFamily="18" charset="0"/>
+                <a:cs typeface="Times New Roman" panose="02020603050405020304" pitchFamily="18" charset="0"/>
+              </a:rPr>
+              <a:t>dụng</a:t>
+            </a:r>
+            <a:r>
+              <a:rPr lang="en-US" sz="2900" dirty="0">
+                <a:latin typeface="Times New Roman" panose="02020603050405020304" pitchFamily="18" charset="0"/>
+                <a:cs typeface="Times New Roman" panose="02020603050405020304" pitchFamily="18" charset="0"/>
+              </a:rPr>
+              <a:t> Visitor Design Pattern:</a:t>
             </a:r>
           </a:p>
           <a:p>
@@ -14189,7 +14124,7 @@
                 <a:latin typeface="Times New Roman" panose="02020603050405020304" pitchFamily="18" charset="0"/>
                 <a:cs typeface="Times New Roman" panose="02020603050405020304" pitchFamily="18" charset="0"/>
               </a:rPr>
-              <a:t>0. TỔNG QUAN</a:t>
+              <a:t>TỔNG QUAN</a:t>
             </a:r>
             <a:endParaRPr lang="en-US" sz="5500" kern="1200" dirty="0">
               <a:solidFill>
@@ -14307,16 +14242,6 @@
                 <a:cs typeface="Times New Roman" panose="02020603050405020304" pitchFamily="18" charset="0"/>
               </a:rPr>
               <a:t>	</a:t>
-            </a:r>
-            <a:r>
-              <a:rPr lang="en-US" sz="4500" dirty="0">
-                <a:solidFill>
-                  <a:schemeClr val="bg1"/>
-                </a:solidFill>
-                <a:latin typeface="Times New Roman" panose="02020603050405020304" pitchFamily="18" charset="0"/>
-                <a:cs typeface="Times New Roman" panose="02020603050405020304" pitchFamily="18" charset="0"/>
-              </a:rPr>
-              <a:t>4. </a:t>
             </a:r>
             <a:r>
               <a:rPr lang="en-US" sz="4500" dirty="0" err="1">
@@ -15879,7 +15804,7 @@
                 <a:latin typeface="Times New Roman" panose="02020603050405020304" pitchFamily="18" charset="0"/>
                 <a:cs typeface="Times New Roman" panose="02020603050405020304" pitchFamily="18" charset="0"/>
               </a:rPr>
-              <a:t>5. KHÁI NIỆM</a:t>
+              <a:t>KHÁI NIỆM</a:t>
             </a:r>
             <a:endParaRPr lang="en-US" sz="5500" kern="1200" dirty="0">
               <a:solidFill>
@@ -15997,16 +15922,6 @@
                 <a:cs typeface="Times New Roman" panose="02020603050405020304" pitchFamily="18" charset="0"/>
               </a:rPr>
               <a:t>	</a:t>
-            </a:r>
-            <a:r>
-              <a:rPr lang="en-US" sz="4500" dirty="0">
-                <a:solidFill>
-                  <a:schemeClr val="bg1"/>
-                </a:solidFill>
-                <a:latin typeface="Times New Roman" panose="02020603050405020304" pitchFamily="18" charset="0"/>
-                <a:cs typeface="Times New Roman" panose="02020603050405020304" pitchFamily="18" charset="0"/>
-              </a:rPr>
-              <a:t>5. </a:t>
             </a:r>
             <a:r>
               <a:rPr lang="en-US" sz="4500" dirty="0" err="1">
@@ -17224,7 +17139,7 @@
                 <a:latin typeface="Times New Roman" panose="02020603050405020304" pitchFamily="18" charset="0"/>
                 <a:cs typeface="Times New Roman" panose="02020603050405020304" pitchFamily="18" charset="0"/>
               </a:rPr>
-              <a:t>6. CẤU TRÚC</a:t>
+              <a:t>CẤU TRÚC</a:t>
             </a:r>
             <a:endParaRPr lang="en-US" sz="5500" kern="1200" dirty="0">
               <a:solidFill>
@@ -17341,7 +17256,7 @@
                 <a:latin typeface="Times New Roman" panose="02020603050405020304" pitchFamily="18" charset="0"/>
                 <a:cs typeface="Times New Roman" panose="02020603050405020304" pitchFamily="18" charset="0"/>
               </a:rPr>
-              <a:t>	6. </a:t>
+              <a:t>	</a:t>
             </a:r>
             <a:r>
               <a:rPr lang="en-US" sz="4500" dirty="0" err="1">
@@ -17743,7 +17658,7 @@
                 <a:latin typeface="Times New Roman" panose="02020603050405020304" pitchFamily="18" charset="0"/>
                 <a:cs typeface="Times New Roman" panose="02020603050405020304" pitchFamily="18" charset="0"/>
               </a:rPr>
-              <a:t>7. KHẢ NĂNG</a:t>
+              <a:t>KHẢ NĂNG</a:t>
             </a:r>
             <a:br>
               <a:rPr lang="en-US" sz="5500" dirty="0">
@@ -17893,7 +17808,7 @@
                 <a:latin typeface="Times New Roman" panose="02020603050405020304" pitchFamily="18" charset="0"/>
                 <a:cs typeface="Times New Roman" panose="02020603050405020304" pitchFamily="18" charset="0"/>
               </a:rPr>
-              <a:t>	7. </a:t>
+              <a:t>	</a:t>
             </a:r>
             <a:r>
               <a:rPr lang="en-US" sz="4500" dirty="0" err="1">
@@ -19380,7 +19295,7 @@
                 <a:latin typeface="Times New Roman" panose="02020603050405020304" pitchFamily="18" charset="0"/>
                 <a:cs typeface="Times New Roman" panose="02020603050405020304" pitchFamily="18" charset="0"/>
               </a:rPr>
-              <a:t>8. LỢI ÍCH</a:t>
+              <a:t>LỢI ÍCH</a:t>
             </a:r>
             <a:br>
               <a:rPr lang="en-US" sz="5500" dirty="0">
@@ -19413,7 +19328,7 @@
                 <a:latin typeface="Times New Roman" panose="02020603050405020304" pitchFamily="18" charset="0"/>
                 <a:cs typeface="Times New Roman" panose="02020603050405020304" pitchFamily="18" charset="0"/>
               </a:rPr>
-              <a:t>VÀ</a:t>
+              <a:t>&amp;</a:t>
             </a:r>
             <a:br>
               <a:rPr lang="en-US" sz="5500" dirty="0">
@@ -19563,7 +19478,7 @@
                 <a:latin typeface="Times New Roman" panose="02020603050405020304" pitchFamily="18" charset="0"/>
                 <a:cs typeface="Times New Roman" panose="02020603050405020304" pitchFamily="18" charset="0"/>
               </a:rPr>
-              <a:t>	8. </a:t>
+              <a:t>	</a:t>
             </a:r>
             <a:r>
               <a:rPr lang="en-US" sz="4500" dirty="0" err="1">
@@ -21103,7 +21018,7 @@
                 <a:latin typeface="Times New Roman" panose="02020603050405020304" pitchFamily="18" charset="0"/>
                 <a:cs typeface="Times New Roman" panose="02020603050405020304" pitchFamily="18" charset="0"/>
               </a:rPr>
-              <a:t>	8. </a:t>
+              <a:t>	</a:t>
             </a:r>
             <a:r>
               <a:rPr lang="en-US" sz="4500" dirty="0" err="1">
@@ -22349,7 +22264,7 @@
                 <a:latin typeface="Times New Roman" panose="02020603050405020304" pitchFamily="18" charset="0"/>
                 <a:cs typeface="Times New Roman" panose="02020603050405020304" pitchFamily="18" charset="0"/>
               </a:rPr>
-              <a:t>	0. </a:t>
+              <a:t>	</a:t>
             </a:r>
             <a:r>
               <a:rPr lang="en-US" sz="4500" dirty="0" err="1">
@@ -23374,23 +23289,6 @@
           <a:p>
             <a:pPr algn="ctr"/>
             <a:r>
-              <a:rPr lang="en-US" sz="5500" kern="1200" dirty="0">
-                <a:solidFill>
-                  <a:srgbClr val="FFFFFF"/>
-                </a:solidFill>
-                <a:effectLst>
-                  <a:outerShdw blurRad="38100" dist="38100" dir="2700000" algn="tl">
-                    <a:srgbClr val="000000">
-                      <a:alpha val="43137"/>
-                    </a:srgbClr>
-                  </a:outerShdw>
-                </a:effectLst>
-                <a:latin typeface="Times New Roman" panose="02020603050405020304" pitchFamily="18" charset="0"/>
-                <a:cs typeface="Times New Roman" panose="02020603050405020304" pitchFamily="18" charset="0"/>
-              </a:rPr>
-              <a:t>9. </a:t>
-            </a:r>
-            <a:r>
               <a:rPr lang="en-US" sz="5500" dirty="0">
                 <a:solidFill>
                   <a:srgbClr val="FFFFFF"/>
@@ -23588,7 +23486,7 @@
                 <a:latin typeface="Times New Roman" panose="02020603050405020304" pitchFamily="18" charset="0"/>
                 <a:cs typeface="Times New Roman" panose="02020603050405020304" pitchFamily="18" charset="0"/>
               </a:rPr>
-              <a:t>	9. </a:t>
+              <a:t>	</a:t>
             </a:r>
             <a:r>
               <a:rPr lang="en-US" sz="4500" dirty="0" err="1">
@@ -23729,7 +23627,7 @@
         <p:spPr>
           <a:xfrm>
             <a:off x="838200" y="1378857"/>
-            <a:ext cx="10515600" cy="4798106"/>
+            <a:ext cx="10515600" cy="724263"/>
           </a:xfrm>
         </p:spPr>
         <p:txBody>
@@ -23738,15 +23636,96 @@
           </a:bodyPr>
           <a:lstStyle/>
           <a:p>
-            <a:pPr marL="0" indent="0">
-              <a:buNone/>
-            </a:pPr>
-            <a:r>
-              <a:rPr lang="en-US" sz="2900" dirty="0" err="1">
-                <a:latin typeface="Times New Roman" panose="02020603050405020304" pitchFamily="18" charset="0"/>
-                <a:cs typeface="Times New Roman" panose="02020603050405020304" pitchFamily="18" charset="0"/>
-              </a:rPr>
-              <a:t>Cân</a:t>
+            <a:r>
+              <a:rPr lang="en-US" sz="2900" dirty="0" err="1">
+                <a:latin typeface="Times New Roman" panose="02020603050405020304" pitchFamily="18" charset="0"/>
+                <a:cs typeface="Times New Roman" panose="02020603050405020304" pitchFamily="18" charset="0"/>
+              </a:rPr>
+              <a:t>Bổ</a:t>
+            </a:r>
+            <a:r>
+              <a:rPr lang="en-US" sz="2900" dirty="0">
+                <a:latin typeface="Times New Roman" panose="02020603050405020304" pitchFamily="18" charset="0"/>
+                <a:cs typeface="Times New Roman" panose="02020603050405020304" pitchFamily="18" charset="0"/>
+              </a:rPr>
+              <a:t> sung, </a:t>
+            </a:r>
+            <a:r>
+              <a:rPr lang="en-US" sz="2900" dirty="0" err="1">
+                <a:latin typeface="Times New Roman" panose="02020603050405020304" pitchFamily="18" charset="0"/>
+                <a:cs typeface="Times New Roman" panose="02020603050405020304" pitchFamily="18" charset="0"/>
+              </a:rPr>
+              <a:t>cập</a:t>
+            </a:r>
+            <a:r>
+              <a:rPr lang="en-US" sz="2900" dirty="0">
+                <a:latin typeface="Times New Roman" panose="02020603050405020304" pitchFamily="18" charset="0"/>
+                <a:cs typeface="Times New Roman" panose="02020603050405020304" pitchFamily="18" charset="0"/>
+              </a:rPr>
+              <a:t> </a:t>
+            </a:r>
+            <a:r>
+              <a:rPr lang="en-US" sz="2900" dirty="0" err="1">
+                <a:latin typeface="Times New Roman" panose="02020603050405020304" pitchFamily="18" charset="0"/>
+                <a:cs typeface="Times New Roman" panose="02020603050405020304" pitchFamily="18" charset="0"/>
+              </a:rPr>
+              <a:t>nhật</a:t>
+            </a:r>
+            <a:r>
+              <a:rPr lang="en-US" sz="2900" dirty="0">
+                <a:latin typeface="Times New Roman" panose="02020603050405020304" pitchFamily="18" charset="0"/>
+                <a:cs typeface="Times New Roman" panose="02020603050405020304" pitchFamily="18" charset="0"/>
+              </a:rPr>
+              <a:t> </a:t>
+            </a:r>
+            <a:r>
+              <a:rPr lang="en-US" sz="2900" dirty="0" err="1">
+                <a:latin typeface="Times New Roman" panose="02020603050405020304" pitchFamily="18" charset="0"/>
+                <a:cs typeface="Times New Roman" panose="02020603050405020304" pitchFamily="18" charset="0"/>
+              </a:rPr>
+              <a:t>tính</a:t>
+            </a:r>
+            <a:r>
+              <a:rPr lang="en-US" sz="2900" dirty="0">
+                <a:latin typeface="Times New Roman" panose="02020603050405020304" pitchFamily="18" charset="0"/>
+                <a:cs typeface="Times New Roman" panose="02020603050405020304" pitchFamily="18" charset="0"/>
+              </a:rPr>
+              <a:t> </a:t>
+            </a:r>
+            <a:r>
+              <a:rPr lang="en-US" sz="2900" dirty="0" err="1">
+                <a:latin typeface="Times New Roman" panose="02020603050405020304" pitchFamily="18" charset="0"/>
+                <a:cs typeface="Times New Roman" panose="02020603050405020304" pitchFamily="18" charset="0"/>
+              </a:rPr>
+              <a:t>năng</a:t>
+            </a:r>
+            <a:r>
+              <a:rPr lang="en-US" sz="2900" dirty="0">
+                <a:latin typeface="Times New Roman" panose="02020603050405020304" pitchFamily="18" charset="0"/>
+                <a:cs typeface="Times New Roman" panose="02020603050405020304" pitchFamily="18" charset="0"/>
+              </a:rPr>
+              <a:t> </a:t>
+            </a:r>
+            <a:r>
+              <a:rPr lang="en-US" sz="2900" dirty="0" err="1">
+                <a:latin typeface="Times New Roman" panose="02020603050405020304" pitchFamily="18" charset="0"/>
+                <a:cs typeface="Times New Roman" panose="02020603050405020304" pitchFamily="18" charset="0"/>
+              </a:rPr>
+              <a:t>và</a:t>
+            </a:r>
+            <a:r>
+              <a:rPr lang="en-US" sz="2900" dirty="0">
+                <a:latin typeface="Times New Roman" panose="02020603050405020304" pitchFamily="18" charset="0"/>
+                <a:cs typeface="Times New Roman" panose="02020603050405020304" pitchFamily="18" charset="0"/>
+              </a:rPr>
+              <a:t> </a:t>
+            </a:r>
+            <a:r>
+              <a:rPr lang="en-US" sz="2900" dirty="0" err="1">
+                <a:latin typeface="Times New Roman" panose="02020603050405020304" pitchFamily="18" charset="0"/>
+                <a:cs typeface="Times New Roman" panose="02020603050405020304" pitchFamily="18" charset="0"/>
+              </a:rPr>
+              <a:t>cân</a:t>
             </a:r>
             <a:r>
               <a:rPr lang="en-US" sz="2900" dirty="0">
@@ -23763,16 +23742,12 @@
               <a:t>bằng</a:t>
             </a:r>
             <a:r>
-              <a:rPr lang="en-US" sz="2900">
+              <a:rPr lang="en-US" sz="2900" dirty="0">
                 <a:latin typeface="Times New Roman" panose="02020603050405020304" pitchFamily="18" charset="0"/>
                 <a:cs typeface="Times New Roman" panose="02020603050405020304" pitchFamily="18" charset="0"/>
               </a:rPr>
               <a:t> game.</a:t>
             </a:r>
-            <a:endParaRPr lang="en-US" sz="2900" dirty="0">
-              <a:latin typeface="Times New Roman" panose="02020603050405020304" pitchFamily="18" charset="0"/>
-              <a:cs typeface="Times New Roman" panose="02020603050405020304" pitchFamily="18" charset="0"/>
-            </a:endParaRPr>
           </a:p>
         </p:txBody>
       </p:sp>
@@ -24018,7 +23993,7 @@
                 <a:latin typeface="Times New Roman" panose="02020603050405020304" pitchFamily="18" charset="0"/>
                 <a:cs typeface="Times New Roman" panose="02020603050405020304" pitchFamily="18" charset="0"/>
               </a:rPr>
-              <a:t>10. CỦNG CỐ</a:t>
+              <a:t>CỦNG CỐ</a:t>
             </a:r>
           </a:p>
         </p:txBody>
@@ -24121,7 +24096,7 @@
                 <a:latin typeface="Times New Roman" panose="02020603050405020304" pitchFamily="18" charset="0"/>
                 <a:cs typeface="Times New Roman" panose="02020603050405020304" pitchFamily="18" charset="0"/>
               </a:rPr>
-              <a:t>	10. </a:t>
+              <a:t>	</a:t>
             </a:r>
             <a:r>
               <a:rPr lang="en-US" sz="4500" dirty="0" err="1">
@@ -25120,7 +25095,7 @@
                 <a:latin typeface="Times New Roman" panose="02020603050405020304" pitchFamily="18" charset="0"/>
                 <a:cs typeface="Times New Roman" panose="02020603050405020304" pitchFamily="18" charset="0"/>
               </a:rPr>
-              <a:t>	10. </a:t>
+              <a:t>	</a:t>
             </a:r>
             <a:r>
               <a:rPr lang="en-US" sz="4500" dirty="0" err="1">
@@ -26419,7 +26394,7 @@
                 <a:latin typeface="Times New Roman" panose="02020603050405020304" pitchFamily="18" charset="0"/>
                 <a:cs typeface="Times New Roman" panose="02020603050405020304" pitchFamily="18" charset="0"/>
               </a:rPr>
-              <a:t>	10. </a:t>
+              <a:t>	</a:t>
             </a:r>
             <a:r>
               <a:rPr lang="en-US" sz="4500" dirty="0" err="1">
@@ -27732,7 +27707,7 @@
                 <a:latin typeface="Times New Roman" panose="02020603050405020304" pitchFamily="18" charset="0"/>
                 <a:cs typeface="Times New Roman" panose="02020603050405020304" pitchFamily="18" charset="0"/>
               </a:rPr>
-              <a:t>	10. </a:t>
+              <a:t>	</a:t>
             </a:r>
             <a:r>
               <a:rPr lang="en-US" sz="4500" dirty="0" err="1">
@@ -29561,23 +29536,6 @@
           <a:p>
             <a:pPr algn="ctr"/>
             <a:r>
-              <a:rPr lang="en-US" sz="5500" kern="1200" dirty="0">
-                <a:solidFill>
-                  <a:srgbClr val="FFFFFF"/>
-                </a:solidFill>
-                <a:effectLst>
-                  <a:outerShdw blurRad="38100" dist="38100" dir="2700000" algn="tl">
-                    <a:srgbClr val="000000">
-                      <a:alpha val="43137"/>
-                    </a:srgbClr>
-                  </a:outerShdw>
-                </a:effectLst>
-                <a:latin typeface="Times New Roman" panose="02020603050405020304" pitchFamily="18" charset="0"/>
-                <a:cs typeface="Times New Roman" panose="02020603050405020304" pitchFamily="18" charset="0"/>
-              </a:rPr>
-              <a:t>11. </a:t>
-            </a:r>
-            <a:r>
               <a:rPr lang="en-US" sz="5500" dirty="0">
                 <a:solidFill>
                   <a:srgbClr val="FFFFFF"/>
@@ -29709,7 +29667,7 @@
                 <a:latin typeface="Times New Roman" panose="02020603050405020304" pitchFamily="18" charset="0"/>
                 <a:cs typeface="Times New Roman" panose="02020603050405020304" pitchFamily="18" charset="0"/>
               </a:rPr>
-              <a:t>	11. </a:t>
+              <a:t>	</a:t>
             </a:r>
             <a:r>
               <a:rPr lang="en-US" sz="4500" dirty="0" err="1">
@@ -30637,7 +30595,7 @@
                 <a:latin typeface="Times New Roman" panose="02020603050405020304" pitchFamily="18" charset="0"/>
                 <a:cs typeface="Times New Roman" panose="02020603050405020304" pitchFamily="18" charset="0"/>
               </a:rPr>
-              <a:t>	0. </a:t>
+              <a:t>	</a:t>
             </a:r>
             <a:r>
               <a:rPr lang="en-US" sz="4500" dirty="0" err="1">
@@ -31869,7 +31827,7 @@
                 <a:latin typeface="Times New Roman" panose="02020603050405020304" pitchFamily="18" charset="0"/>
                 <a:cs typeface="Times New Roman" panose="02020603050405020304" pitchFamily="18" charset="0"/>
               </a:rPr>
-              <a:t>1. ĐẶT </a:t>
+              <a:t>ĐẶT </a:t>
             </a:r>
             <a:r>
               <a:rPr lang="en-US" sz="5500" kern="1200" dirty="0">
@@ -31989,7 +31947,7 @@
                 <a:latin typeface="Times New Roman" panose="02020603050405020304" pitchFamily="18" charset="0"/>
                 <a:cs typeface="Times New Roman" panose="02020603050405020304" pitchFamily="18" charset="0"/>
               </a:rPr>
-              <a:t>	1. </a:t>
+              <a:t>	</a:t>
             </a:r>
             <a:r>
               <a:rPr lang="en-US" sz="4500" dirty="0" err="1">
@@ -33189,7 +33147,7 @@
                 <a:latin typeface="Times New Roman" panose="02020603050405020304" pitchFamily="18" charset="0"/>
                 <a:cs typeface="Times New Roman" panose="02020603050405020304" pitchFamily="18" charset="0"/>
               </a:rPr>
-              <a:t>	1. </a:t>
+              <a:t>	</a:t>
             </a:r>
             <a:r>
               <a:rPr lang="en-US" sz="4500" dirty="0" err="1">
@@ -33688,7 +33646,7 @@
                 <a:latin typeface="Times New Roman" panose="02020603050405020304" pitchFamily="18" charset="0"/>
                 <a:cs typeface="Times New Roman" panose="02020603050405020304" pitchFamily="18" charset="0"/>
               </a:rPr>
-              <a:t>	1. </a:t>
+              <a:t>	</a:t>
             </a:r>
             <a:r>
               <a:rPr lang="en-US" sz="4500" dirty="0" err="1">
@@ -34861,7 +34819,7 @@
                 <a:latin typeface="Times New Roman" panose="02020603050405020304" pitchFamily="18" charset="0"/>
                 <a:cs typeface="Times New Roman" panose="02020603050405020304" pitchFamily="18" charset="0"/>
               </a:rPr>
-              <a:t>	1. </a:t>
+              <a:t>	</a:t>
             </a:r>
             <a:r>
               <a:rPr lang="en-US" sz="4500" dirty="0" err="1">
